--- a/Images/Figures_PPT/Box_Plot_LST8_Domain.pptx
+++ b/Images/Figures_PPT/Box_Plot_LST8_Domain.pptx
@@ -2298,8 +2298,8 @@
           </p:nvSpPr>
           <p:spPr>
             <a:xfrm>
-              <a:off x="914400" y="914400"/>
-              <a:ext cx="9144000" cy="6400800"/>
+              <a:off x="10058399" y="914400"/>
+              <a:ext cx="0" cy="6400800"/>
             </a:xfrm>
             <a:prstGeom prst="rect">
               <a:avLst/>
@@ -2333,8 +2333,8 @@
           </p:nvSpPr>
           <p:spPr>
             <a:xfrm>
-              <a:off x="1397280" y="1407846"/>
-              <a:ext cx="8591530" cy="5507419"/>
+              <a:off x="1371700" y="1392990"/>
+              <a:ext cx="8617110" cy="5534432"/>
             </a:xfrm>
             <a:prstGeom prst="rect">
               <a:avLst/>
@@ -2359,21 +2359,21 @@
           </p:nvSpPr>
           <p:spPr>
             <a:xfrm>
-              <a:off x="1397280" y="6049913"/>
-              <a:ext cx="8591530" cy="0"/>
-            </a:xfrm>
-            <a:custGeom>
-              <a:avLst/>
-              <a:pathLst>
-                <a:path w="8591530" h="0">
-                  <a:moveTo>
-                    <a:pt x="0" y="0"/>
-                  </a:moveTo>
-                  <a:lnTo>
-                    <a:pt x="8591530" y="0"/>
-                  </a:lnTo>
-                  <a:lnTo>
-                    <a:pt x="8591530" y="0"/>
+              <a:off x="1371700" y="6057825"/>
+              <a:ext cx="8617110" cy="0"/>
+            </a:xfrm>
+            <a:custGeom>
+              <a:avLst/>
+              <a:pathLst>
+                <a:path w="8617110" h="0">
+                  <a:moveTo>
+                    <a:pt x="0" y="0"/>
+                  </a:moveTo>
+                  <a:lnTo>
+                    <a:pt x="8617110" y="0"/>
+                  </a:lnTo>
+                  <a:lnTo>
+                    <a:pt x="8617110" y="0"/>
                   </a:lnTo>
                 </a:path>
               </a:pathLst>
@@ -2402,21 +2402,21 @@
           </p:nvSpPr>
           <p:spPr>
             <a:xfrm>
-              <a:off x="1397280" y="4812458"/>
-              <a:ext cx="8591530" cy="0"/>
-            </a:xfrm>
-            <a:custGeom>
-              <a:avLst/>
-              <a:pathLst>
-                <a:path w="8591530" h="0">
-                  <a:moveTo>
-                    <a:pt x="0" y="0"/>
-                  </a:moveTo>
-                  <a:lnTo>
-                    <a:pt x="8591530" y="0"/>
-                  </a:lnTo>
-                  <a:lnTo>
-                    <a:pt x="8591530" y="0"/>
+              <a:off x="1371700" y="4814300"/>
+              <a:ext cx="8617110" cy="0"/>
+            </a:xfrm>
+            <a:custGeom>
+              <a:avLst/>
+              <a:pathLst>
+                <a:path w="8617110" h="0">
+                  <a:moveTo>
+                    <a:pt x="0" y="0"/>
+                  </a:moveTo>
+                  <a:lnTo>
+                    <a:pt x="8617110" y="0"/>
+                  </a:lnTo>
+                  <a:lnTo>
+                    <a:pt x="8617110" y="0"/>
                   </a:lnTo>
                 </a:path>
               </a:pathLst>
@@ -2445,21 +2445,21 @@
           </p:nvSpPr>
           <p:spPr>
             <a:xfrm>
-              <a:off x="1397280" y="3575002"/>
-              <a:ext cx="8591530" cy="0"/>
-            </a:xfrm>
-            <a:custGeom>
-              <a:avLst/>
-              <a:pathLst>
-                <a:path w="8591530" h="0">
-                  <a:moveTo>
-                    <a:pt x="0" y="0"/>
-                  </a:moveTo>
-                  <a:lnTo>
-                    <a:pt x="8591530" y="0"/>
-                  </a:lnTo>
-                  <a:lnTo>
-                    <a:pt x="8591530" y="0"/>
+              <a:off x="1371700" y="3570775"/>
+              <a:ext cx="8617110" cy="0"/>
+            </a:xfrm>
+            <a:custGeom>
+              <a:avLst/>
+              <a:pathLst>
+                <a:path w="8617110" h="0">
+                  <a:moveTo>
+                    <a:pt x="0" y="0"/>
+                  </a:moveTo>
+                  <a:lnTo>
+                    <a:pt x="8617110" y="0"/>
+                  </a:lnTo>
+                  <a:lnTo>
+                    <a:pt x="8617110" y="0"/>
                   </a:lnTo>
                 </a:path>
               </a:pathLst>
@@ -2488,21 +2488,21 @@
           </p:nvSpPr>
           <p:spPr>
             <a:xfrm>
-              <a:off x="1397280" y="2337547"/>
-              <a:ext cx="8591530" cy="0"/>
-            </a:xfrm>
-            <a:custGeom>
-              <a:avLst/>
-              <a:pathLst>
-                <a:path w="8591530" h="0">
-                  <a:moveTo>
-                    <a:pt x="0" y="0"/>
-                  </a:moveTo>
-                  <a:lnTo>
-                    <a:pt x="8591530" y="0"/>
-                  </a:lnTo>
-                  <a:lnTo>
-                    <a:pt x="8591530" y="0"/>
+              <a:off x="1371700" y="2327250"/>
+              <a:ext cx="8617110" cy="0"/>
+            </a:xfrm>
+            <a:custGeom>
+              <a:avLst/>
+              <a:pathLst>
+                <a:path w="8617110" h="0">
+                  <a:moveTo>
+                    <a:pt x="0" y="0"/>
+                  </a:moveTo>
+                  <a:lnTo>
+                    <a:pt x="8617110" y="0"/>
+                  </a:lnTo>
+                  <a:lnTo>
+                    <a:pt x="8617110" y="0"/>
                   </a:lnTo>
                 </a:path>
               </a:pathLst>
@@ -2531,21 +2531,21 @@
           </p:nvSpPr>
           <p:spPr>
             <a:xfrm>
-              <a:off x="1397280" y="6668641"/>
-              <a:ext cx="8591530" cy="0"/>
-            </a:xfrm>
-            <a:custGeom>
-              <a:avLst/>
-              <a:pathLst>
-                <a:path w="8591530" h="0">
-                  <a:moveTo>
-                    <a:pt x="0" y="0"/>
-                  </a:moveTo>
-                  <a:lnTo>
-                    <a:pt x="8591530" y="0"/>
-                  </a:lnTo>
-                  <a:lnTo>
-                    <a:pt x="8591530" y="0"/>
+              <a:off x="1371700" y="6679587"/>
+              <a:ext cx="8617110" cy="0"/>
+            </a:xfrm>
+            <a:custGeom>
+              <a:avLst/>
+              <a:pathLst>
+                <a:path w="8617110" h="0">
+                  <a:moveTo>
+                    <a:pt x="0" y="0"/>
+                  </a:moveTo>
+                  <a:lnTo>
+                    <a:pt x="8617110" y="0"/>
+                  </a:lnTo>
+                  <a:lnTo>
+                    <a:pt x="8617110" y="0"/>
                   </a:lnTo>
                 </a:path>
               </a:pathLst>
@@ -2574,21 +2574,21 @@
           </p:nvSpPr>
           <p:spPr>
             <a:xfrm>
-              <a:off x="1397280" y="5431186"/>
-              <a:ext cx="8591530" cy="0"/>
-            </a:xfrm>
-            <a:custGeom>
-              <a:avLst/>
-              <a:pathLst>
-                <a:path w="8591530" h="0">
-                  <a:moveTo>
-                    <a:pt x="0" y="0"/>
-                  </a:moveTo>
-                  <a:lnTo>
-                    <a:pt x="8591530" y="0"/>
-                  </a:lnTo>
-                  <a:lnTo>
-                    <a:pt x="8591530" y="0"/>
+              <a:off x="1371700" y="5436062"/>
+              <a:ext cx="8617110" cy="0"/>
+            </a:xfrm>
+            <a:custGeom>
+              <a:avLst/>
+              <a:pathLst>
+                <a:path w="8617110" h="0">
+                  <a:moveTo>
+                    <a:pt x="0" y="0"/>
+                  </a:moveTo>
+                  <a:lnTo>
+                    <a:pt x="8617110" y="0"/>
+                  </a:lnTo>
+                  <a:lnTo>
+                    <a:pt x="8617110" y="0"/>
                   </a:lnTo>
                 </a:path>
               </a:pathLst>
@@ -2617,21 +2617,21 @@
           </p:nvSpPr>
           <p:spPr>
             <a:xfrm>
-              <a:off x="1397280" y="4193730"/>
-              <a:ext cx="8591530" cy="0"/>
-            </a:xfrm>
-            <a:custGeom>
-              <a:avLst/>
-              <a:pathLst>
-                <a:path w="8591530" h="0">
-                  <a:moveTo>
-                    <a:pt x="0" y="0"/>
-                  </a:moveTo>
-                  <a:lnTo>
-                    <a:pt x="8591530" y="0"/>
-                  </a:lnTo>
-                  <a:lnTo>
-                    <a:pt x="8591530" y="0"/>
+              <a:off x="1371700" y="4192537"/>
+              <a:ext cx="8617110" cy="0"/>
+            </a:xfrm>
+            <a:custGeom>
+              <a:avLst/>
+              <a:pathLst>
+                <a:path w="8617110" h="0">
+                  <a:moveTo>
+                    <a:pt x="0" y="0"/>
+                  </a:moveTo>
+                  <a:lnTo>
+                    <a:pt x="8617110" y="0"/>
+                  </a:lnTo>
+                  <a:lnTo>
+                    <a:pt x="8617110" y="0"/>
                   </a:lnTo>
                 </a:path>
               </a:pathLst>
@@ -2660,21 +2660,21 @@
           </p:nvSpPr>
           <p:spPr>
             <a:xfrm>
-              <a:off x="1397280" y="2956274"/>
-              <a:ext cx="8591530" cy="0"/>
-            </a:xfrm>
-            <a:custGeom>
-              <a:avLst/>
-              <a:pathLst>
-                <a:path w="8591530" h="0">
-                  <a:moveTo>
-                    <a:pt x="0" y="0"/>
-                  </a:moveTo>
-                  <a:lnTo>
-                    <a:pt x="8591530" y="0"/>
-                  </a:lnTo>
-                  <a:lnTo>
-                    <a:pt x="8591530" y="0"/>
+              <a:off x="1371700" y="2949012"/>
+              <a:ext cx="8617110" cy="0"/>
+            </a:xfrm>
+            <a:custGeom>
+              <a:avLst/>
+              <a:pathLst>
+                <a:path w="8617110" h="0">
+                  <a:moveTo>
+                    <a:pt x="0" y="0"/>
+                  </a:moveTo>
+                  <a:lnTo>
+                    <a:pt x="8617110" y="0"/>
+                  </a:lnTo>
+                  <a:lnTo>
+                    <a:pt x="8617110" y="0"/>
                   </a:lnTo>
                 </a:path>
               </a:pathLst>
@@ -2703,21 +2703,21 @@
           </p:nvSpPr>
           <p:spPr>
             <a:xfrm>
-              <a:off x="1397280" y="1718819"/>
-              <a:ext cx="8591530" cy="0"/>
-            </a:xfrm>
-            <a:custGeom>
-              <a:avLst/>
-              <a:pathLst>
-                <a:path w="8591530" h="0">
-                  <a:moveTo>
-                    <a:pt x="0" y="0"/>
-                  </a:moveTo>
-                  <a:lnTo>
-                    <a:pt x="8591530" y="0"/>
-                  </a:lnTo>
-                  <a:lnTo>
-                    <a:pt x="8591530" y="0"/>
+              <a:off x="1371700" y="1705487"/>
+              <a:ext cx="8617110" cy="0"/>
+            </a:xfrm>
+            <a:custGeom>
+              <a:avLst/>
+              <a:pathLst>
+                <a:path w="8617110" h="0">
+                  <a:moveTo>
+                    <a:pt x="0" y="0"/>
+                  </a:moveTo>
+                  <a:lnTo>
+                    <a:pt x="8617110" y="0"/>
+                  </a:lnTo>
+                  <a:lnTo>
+                    <a:pt x="8617110" y="0"/>
                   </a:lnTo>
                 </a:path>
               </a:pathLst>
@@ -2746,15 +2746,15 @@
           </p:nvSpPr>
           <p:spPr>
             <a:xfrm>
-              <a:off x="2025928" y="1407846"/>
-              <a:ext cx="0" cy="5507419"/>
-            </a:xfrm>
-            <a:custGeom>
-              <a:avLst/>
-              <a:pathLst>
-                <a:path w="0" h="5507419">
-                  <a:moveTo>
-                    <a:pt x="0" y="5507419"/>
+              <a:off x="2002220" y="1392990"/>
+              <a:ext cx="0" cy="5534432"/>
+            </a:xfrm>
+            <a:custGeom>
+              <a:avLst/>
+              <a:pathLst>
+                <a:path w="0" h="5534432">
+                  <a:moveTo>
+                    <a:pt x="0" y="5534432"/>
                   </a:moveTo>
                   <a:lnTo>
                     <a:pt x="0" y="0"/>
@@ -2789,15 +2789,15 @@
           </p:nvSpPr>
           <p:spPr>
             <a:xfrm>
-              <a:off x="3073676" y="1407846"/>
-              <a:ext cx="0" cy="5507419"/>
-            </a:xfrm>
-            <a:custGeom>
-              <a:avLst/>
-              <a:pathLst>
-                <a:path w="0" h="5507419">
-                  <a:moveTo>
-                    <a:pt x="0" y="5507419"/>
+              <a:off x="3053087" y="1392990"/>
+              <a:ext cx="0" cy="5534432"/>
+            </a:xfrm>
+            <a:custGeom>
+              <a:avLst/>
+              <a:pathLst>
+                <a:path w="0" h="5534432">
+                  <a:moveTo>
+                    <a:pt x="0" y="5534432"/>
                   </a:moveTo>
                   <a:lnTo>
                     <a:pt x="0" y="0"/>
@@ -2832,15 +2832,15 @@
           </p:nvSpPr>
           <p:spPr>
             <a:xfrm>
-              <a:off x="4121424" y="1407846"/>
-              <a:ext cx="0" cy="5507419"/>
-            </a:xfrm>
-            <a:custGeom>
-              <a:avLst/>
-              <a:pathLst>
-                <a:path w="0" h="5507419">
-                  <a:moveTo>
-                    <a:pt x="0" y="5507419"/>
+              <a:off x="4103955" y="1392990"/>
+              <a:ext cx="0" cy="5534432"/>
+            </a:xfrm>
+            <a:custGeom>
+              <a:avLst/>
+              <a:pathLst>
+                <a:path w="0" h="5534432">
+                  <a:moveTo>
+                    <a:pt x="0" y="5534432"/>
                   </a:moveTo>
                   <a:lnTo>
                     <a:pt x="0" y="0"/>
@@ -2875,15 +2875,15 @@
           </p:nvSpPr>
           <p:spPr>
             <a:xfrm>
-              <a:off x="5169171" y="1407846"/>
-              <a:ext cx="0" cy="5507419"/>
-            </a:xfrm>
-            <a:custGeom>
-              <a:avLst/>
-              <a:pathLst>
-                <a:path w="0" h="5507419">
-                  <a:moveTo>
-                    <a:pt x="0" y="5507419"/>
+              <a:off x="5154822" y="1392990"/>
+              <a:ext cx="0" cy="5534432"/>
+            </a:xfrm>
+            <a:custGeom>
+              <a:avLst/>
+              <a:pathLst>
+                <a:path w="0" h="5534432">
+                  <a:moveTo>
+                    <a:pt x="0" y="5534432"/>
                   </a:moveTo>
                   <a:lnTo>
                     <a:pt x="0" y="0"/>
@@ -2918,15 +2918,15 @@
           </p:nvSpPr>
           <p:spPr>
             <a:xfrm>
-              <a:off x="6216919" y="1407846"/>
-              <a:ext cx="0" cy="5507419"/>
-            </a:xfrm>
-            <a:custGeom>
-              <a:avLst/>
-              <a:pathLst>
-                <a:path w="0" h="5507419">
-                  <a:moveTo>
-                    <a:pt x="0" y="5507419"/>
+              <a:off x="6205689" y="1392990"/>
+              <a:ext cx="0" cy="5534432"/>
+            </a:xfrm>
+            <a:custGeom>
+              <a:avLst/>
+              <a:pathLst>
+                <a:path w="0" h="5534432">
+                  <a:moveTo>
+                    <a:pt x="0" y="5534432"/>
                   </a:moveTo>
                   <a:lnTo>
                     <a:pt x="0" y="0"/>
@@ -2961,15 +2961,15 @@
           </p:nvSpPr>
           <p:spPr>
             <a:xfrm>
-              <a:off x="7264667" y="1407846"/>
-              <a:ext cx="0" cy="5507419"/>
-            </a:xfrm>
-            <a:custGeom>
-              <a:avLst/>
-              <a:pathLst>
-                <a:path w="0" h="5507419">
-                  <a:moveTo>
-                    <a:pt x="0" y="5507419"/>
+              <a:off x="7256556" y="1392990"/>
+              <a:ext cx="0" cy="5534432"/>
+            </a:xfrm>
+            <a:custGeom>
+              <a:avLst/>
+              <a:pathLst>
+                <a:path w="0" h="5534432">
+                  <a:moveTo>
+                    <a:pt x="0" y="5534432"/>
                   </a:moveTo>
                   <a:lnTo>
                     <a:pt x="0" y="0"/>
@@ -3004,15 +3004,15 @@
           </p:nvSpPr>
           <p:spPr>
             <a:xfrm>
-              <a:off x="8312414" y="1407846"/>
-              <a:ext cx="0" cy="5507419"/>
-            </a:xfrm>
-            <a:custGeom>
-              <a:avLst/>
-              <a:pathLst>
-                <a:path w="0" h="5507419">
-                  <a:moveTo>
-                    <a:pt x="0" y="5507419"/>
+              <a:off x="8307423" y="1392990"/>
+              <a:ext cx="0" cy="5534432"/>
+            </a:xfrm>
+            <a:custGeom>
+              <a:avLst/>
+              <a:pathLst>
+                <a:path w="0" h="5534432">
+                  <a:moveTo>
+                    <a:pt x="0" y="5534432"/>
                   </a:moveTo>
                   <a:lnTo>
                     <a:pt x="0" y="0"/>
@@ -3047,15 +3047,15 @@
           </p:nvSpPr>
           <p:spPr>
             <a:xfrm>
-              <a:off x="9360162" y="1407846"/>
-              <a:ext cx="0" cy="5507419"/>
-            </a:xfrm>
-            <a:custGeom>
-              <a:avLst/>
-              <a:pathLst>
-                <a:path w="0" h="5507419">
-                  <a:moveTo>
-                    <a:pt x="0" y="5507419"/>
+              <a:off x="9358290" y="1392990"/>
+              <a:ext cx="0" cy="5534432"/>
+            </a:xfrm>
+            <a:custGeom>
+              <a:avLst/>
+              <a:pathLst>
+                <a:path w="0" h="5534432">
+                  <a:moveTo>
+                    <a:pt x="0" y="5534432"/>
                   </a:moveTo>
                   <a:lnTo>
                     <a:pt x="0" y="0"/>
@@ -3090,18 +3090,18 @@
           </p:nvSpPr>
           <p:spPr>
             <a:xfrm>
-              <a:off x="1763991" y="3294100"/>
-              <a:ext cx="523873" cy="0"/>
-            </a:xfrm>
-            <a:custGeom>
-              <a:avLst/>
-              <a:pathLst>
-                <a:path w="523873" h="0">
-                  <a:moveTo>
-                    <a:pt x="0" y="0"/>
-                  </a:moveTo>
-                  <a:lnTo>
-                    <a:pt x="523873" y="0"/>
+              <a:off x="1739503" y="3288495"/>
+              <a:ext cx="525433" cy="0"/>
+            </a:xfrm>
+            <a:custGeom>
+              <a:avLst/>
+              <a:pathLst>
+                <a:path w="525433" h="0">
+                  <a:moveTo>
+                    <a:pt x="0" y="0"/>
+                  </a:moveTo>
+                  <a:lnTo>
+                    <a:pt x="525433" y="0"/>
                   </a:lnTo>
                 </a:path>
               </a:pathLst>
@@ -3130,18 +3130,18 @@
           </p:nvSpPr>
           <p:spPr>
             <a:xfrm>
-              <a:off x="2025928" y="3294100"/>
-              <a:ext cx="0" cy="3300294"/>
-            </a:xfrm>
-            <a:custGeom>
-              <a:avLst/>
-              <a:pathLst>
-                <a:path w="0" h="3300294">
-                  <a:moveTo>
-                    <a:pt x="0" y="0"/>
-                  </a:moveTo>
-                  <a:lnTo>
-                    <a:pt x="0" y="3300294"/>
+              <a:off x="2002220" y="3288495"/>
+              <a:ext cx="0" cy="3316480"/>
+            </a:xfrm>
+            <a:custGeom>
+              <a:avLst/>
+              <a:pathLst>
+                <a:path w="0" h="3316480">
+                  <a:moveTo>
+                    <a:pt x="0" y="0"/>
+                  </a:moveTo>
+                  <a:lnTo>
+                    <a:pt x="0" y="3316480"/>
                   </a:lnTo>
                 </a:path>
               </a:pathLst>
@@ -3170,18 +3170,18 @@
           </p:nvSpPr>
           <p:spPr>
             <a:xfrm>
-              <a:off x="1763991" y="6594394"/>
-              <a:ext cx="523873" cy="0"/>
-            </a:xfrm>
-            <a:custGeom>
-              <a:avLst/>
-              <a:pathLst>
-                <a:path w="523873" h="0">
-                  <a:moveTo>
-                    <a:pt x="0" y="0"/>
-                  </a:moveTo>
-                  <a:lnTo>
-                    <a:pt x="523873" y="0"/>
+              <a:off x="1739503" y="6604976"/>
+              <a:ext cx="525433" cy="0"/>
+            </a:xfrm>
+            <a:custGeom>
+              <a:avLst/>
+              <a:pathLst>
+                <a:path w="525433" h="0">
+                  <a:moveTo>
+                    <a:pt x="0" y="0"/>
+                  </a:moveTo>
+                  <a:lnTo>
+                    <a:pt x="525433" y="0"/>
                   </a:lnTo>
                 </a:path>
               </a:pathLst>
@@ -3210,18 +3210,18 @@
           </p:nvSpPr>
           <p:spPr>
             <a:xfrm>
-              <a:off x="2811739" y="2045507"/>
-              <a:ext cx="523873" cy="0"/>
-            </a:xfrm>
-            <a:custGeom>
-              <a:avLst/>
-              <a:pathLst>
-                <a:path w="523873" h="0">
-                  <a:moveTo>
-                    <a:pt x="0" y="0"/>
-                  </a:moveTo>
-                  <a:lnTo>
-                    <a:pt x="523873" y="0"/>
+              <a:off x="2790371" y="2033778"/>
+              <a:ext cx="525433" cy="0"/>
+            </a:xfrm>
+            <a:custGeom>
+              <a:avLst/>
+              <a:pathLst>
+                <a:path w="525433" h="0">
+                  <a:moveTo>
+                    <a:pt x="0" y="0"/>
+                  </a:moveTo>
+                  <a:lnTo>
+                    <a:pt x="525433" y="0"/>
                   </a:lnTo>
                 </a:path>
               </a:pathLst>
@@ -3250,18 +3250,18 @@
           </p:nvSpPr>
           <p:spPr>
             <a:xfrm>
-              <a:off x="3073676" y="2045507"/>
-              <a:ext cx="0" cy="954078"/>
-            </a:xfrm>
-            <a:custGeom>
-              <a:avLst/>
-              <a:pathLst>
-                <a:path w="0" h="954078">
-                  <a:moveTo>
-                    <a:pt x="0" y="0"/>
-                  </a:moveTo>
-                  <a:lnTo>
-                    <a:pt x="0" y="954078"/>
+              <a:off x="3053087" y="2033778"/>
+              <a:ext cx="0" cy="958757"/>
+            </a:xfrm>
+            <a:custGeom>
+              <a:avLst/>
+              <a:pathLst>
+                <a:path w="0" h="958757">
+                  <a:moveTo>
+                    <a:pt x="0" y="0"/>
+                  </a:moveTo>
+                  <a:lnTo>
+                    <a:pt x="0" y="958757"/>
                   </a:lnTo>
                 </a:path>
               </a:pathLst>
@@ -3290,18 +3290,18 @@
           </p:nvSpPr>
           <p:spPr>
             <a:xfrm>
-              <a:off x="2811739" y="2999585"/>
-              <a:ext cx="523873" cy="0"/>
-            </a:xfrm>
-            <a:custGeom>
-              <a:avLst/>
-              <a:pathLst>
-                <a:path w="523873" h="0">
-                  <a:moveTo>
-                    <a:pt x="0" y="0"/>
-                  </a:moveTo>
-                  <a:lnTo>
-                    <a:pt x="523873" y="0"/>
+              <a:off x="2790371" y="2992536"/>
+              <a:ext cx="525433" cy="0"/>
+            </a:xfrm>
+            <a:custGeom>
+              <a:avLst/>
+              <a:pathLst>
+                <a:path w="525433" h="0">
+                  <a:moveTo>
+                    <a:pt x="0" y="0"/>
+                  </a:moveTo>
+                  <a:lnTo>
+                    <a:pt x="525433" y="0"/>
                   </a:lnTo>
                 </a:path>
               </a:pathLst>
@@ -3330,18 +3330,18 @@
           </p:nvSpPr>
           <p:spPr>
             <a:xfrm>
-              <a:off x="3859487" y="3803932"/>
-              <a:ext cx="523873" cy="0"/>
-            </a:xfrm>
-            <a:custGeom>
-              <a:avLst/>
-              <a:pathLst>
-                <a:path w="523873" h="0">
-                  <a:moveTo>
-                    <a:pt x="0" y="0"/>
-                  </a:moveTo>
-                  <a:lnTo>
-                    <a:pt x="523873" y="0"/>
+              <a:off x="3841238" y="3800827"/>
+              <a:ext cx="525433" cy="0"/>
+            </a:xfrm>
+            <a:custGeom>
+              <a:avLst/>
+              <a:pathLst>
+                <a:path w="525433" h="0">
+                  <a:moveTo>
+                    <a:pt x="0" y="0"/>
+                  </a:moveTo>
+                  <a:lnTo>
+                    <a:pt x="525433" y="0"/>
                   </a:lnTo>
                 </a:path>
               </a:pathLst>
@@ -3370,18 +3370,18 @@
           </p:nvSpPr>
           <p:spPr>
             <a:xfrm>
-              <a:off x="4121424" y="3803932"/>
-              <a:ext cx="0" cy="855081"/>
-            </a:xfrm>
-            <a:custGeom>
-              <a:avLst/>
-              <a:pathLst>
-                <a:path w="0" h="855081">
-                  <a:moveTo>
-                    <a:pt x="0" y="0"/>
-                  </a:moveTo>
-                  <a:lnTo>
-                    <a:pt x="0" y="855081"/>
+              <a:off x="4103955" y="3800827"/>
+              <a:ext cx="0" cy="859275"/>
+            </a:xfrm>
+            <a:custGeom>
+              <a:avLst/>
+              <a:pathLst>
+                <a:path w="0" h="859275">
+                  <a:moveTo>
+                    <a:pt x="0" y="0"/>
+                  </a:moveTo>
+                  <a:lnTo>
+                    <a:pt x="0" y="859275"/>
                   </a:lnTo>
                 </a:path>
               </a:pathLst>
@@ -3410,18 +3410,18 @@
           </p:nvSpPr>
           <p:spPr>
             <a:xfrm>
-              <a:off x="3859487" y="4659013"/>
-              <a:ext cx="523873" cy="0"/>
-            </a:xfrm>
-            <a:custGeom>
-              <a:avLst/>
-              <a:pathLst>
-                <a:path w="523873" h="0">
-                  <a:moveTo>
-                    <a:pt x="0" y="0"/>
-                  </a:moveTo>
-                  <a:lnTo>
-                    <a:pt x="523873" y="0"/>
+              <a:off x="3841238" y="4660103"/>
+              <a:ext cx="525433" cy="0"/>
+            </a:xfrm>
+            <a:custGeom>
+              <a:avLst/>
+              <a:pathLst>
+                <a:path w="525433" h="0">
+                  <a:moveTo>
+                    <a:pt x="0" y="0"/>
+                  </a:moveTo>
+                  <a:lnTo>
+                    <a:pt x="525433" y="0"/>
                   </a:lnTo>
                 </a:path>
               </a:pathLst>
@@ -3450,18 +3450,18 @@
           </p:nvSpPr>
           <p:spPr>
             <a:xfrm>
-              <a:off x="4907234" y="4986939"/>
-              <a:ext cx="523873" cy="0"/>
-            </a:xfrm>
-            <a:custGeom>
-              <a:avLst/>
-              <a:pathLst>
-                <a:path w="523873" h="0">
-                  <a:moveTo>
-                    <a:pt x="0" y="0"/>
-                  </a:moveTo>
-                  <a:lnTo>
-                    <a:pt x="523873" y="0"/>
+              <a:off x="4892105" y="4989637"/>
+              <a:ext cx="525433" cy="0"/>
+            </a:xfrm>
+            <a:custGeom>
+              <a:avLst/>
+              <a:pathLst>
+                <a:path w="525433" h="0">
+                  <a:moveTo>
+                    <a:pt x="0" y="0"/>
+                  </a:moveTo>
+                  <a:lnTo>
+                    <a:pt x="525433" y="0"/>
                   </a:lnTo>
                 </a:path>
               </a:pathLst>
@@ -3490,18 +3490,18 @@
           </p:nvSpPr>
           <p:spPr>
             <a:xfrm>
-              <a:off x="5169171" y="4986939"/>
-              <a:ext cx="0" cy="1554244"/>
-            </a:xfrm>
-            <a:custGeom>
-              <a:avLst/>
-              <a:pathLst>
-                <a:path w="0" h="1554244">
-                  <a:moveTo>
-                    <a:pt x="0" y="0"/>
-                  </a:moveTo>
-                  <a:lnTo>
-                    <a:pt x="0" y="1554244"/>
+              <a:off x="5154822" y="4989637"/>
+              <a:ext cx="0" cy="1561867"/>
+            </a:xfrm>
+            <a:custGeom>
+              <a:avLst/>
+              <a:pathLst>
+                <a:path w="0" h="1561867">
+                  <a:moveTo>
+                    <a:pt x="0" y="0"/>
+                  </a:moveTo>
+                  <a:lnTo>
+                    <a:pt x="0" y="1561867"/>
                   </a:lnTo>
                 </a:path>
               </a:pathLst>
@@ -3530,18 +3530,18 @@
           </p:nvSpPr>
           <p:spPr>
             <a:xfrm>
-              <a:off x="4907234" y="6541183"/>
-              <a:ext cx="523873" cy="0"/>
-            </a:xfrm>
-            <a:custGeom>
-              <a:avLst/>
-              <a:pathLst>
-                <a:path w="523873" h="0">
-                  <a:moveTo>
-                    <a:pt x="0" y="0"/>
-                  </a:moveTo>
-                  <a:lnTo>
-                    <a:pt x="523873" y="0"/>
+              <a:off x="4892105" y="6551504"/>
+              <a:ext cx="525433" cy="0"/>
+            </a:xfrm>
+            <a:custGeom>
+              <a:avLst/>
+              <a:pathLst>
+                <a:path w="525433" h="0">
+                  <a:moveTo>
+                    <a:pt x="0" y="0"/>
+                  </a:moveTo>
+                  <a:lnTo>
+                    <a:pt x="525433" y="0"/>
                   </a:lnTo>
                 </a:path>
               </a:pathLst>
@@ -3570,18 +3570,18 @@
           </p:nvSpPr>
           <p:spPr>
             <a:xfrm>
-              <a:off x="5954982" y="2664235"/>
-              <a:ext cx="523873" cy="0"/>
-            </a:xfrm>
-            <a:custGeom>
-              <a:avLst/>
-              <a:pathLst>
-                <a:path w="523873" h="0">
-                  <a:moveTo>
-                    <a:pt x="0" y="0"/>
-                  </a:moveTo>
-                  <a:lnTo>
-                    <a:pt x="523873" y="0"/>
+              <a:off x="5942972" y="2655540"/>
+              <a:ext cx="525433" cy="0"/>
+            </a:xfrm>
+            <a:custGeom>
+              <a:avLst/>
+              <a:pathLst>
+                <a:path w="525433" h="0">
+                  <a:moveTo>
+                    <a:pt x="0" y="0"/>
+                  </a:moveTo>
+                  <a:lnTo>
+                    <a:pt x="525433" y="0"/>
                   </a:lnTo>
                 </a:path>
               </a:pathLst>
@@ -3610,18 +3610,18 @@
           </p:nvSpPr>
           <p:spPr>
             <a:xfrm>
-              <a:off x="6216919" y="2664235"/>
-              <a:ext cx="0" cy="3957382"/>
-            </a:xfrm>
-            <a:custGeom>
-              <a:avLst/>
-              <a:pathLst>
-                <a:path w="0" h="3957382">
-                  <a:moveTo>
-                    <a:pt x="0" y="0"/>
-                  </a:moveTo>
-                  <a:lnTo>
-                    <a:pt x="0" y="3957382"/>
+              <a:off x="6205689" y="2655540"/>
+              <a:ext cx="0" cy="3976792"/>
+            </a:xfrm>
+            <a:custGeom>
+              <a:avLst/>
+              <a:pathLst>
+                <a:path w="0" h="3976792">
+                  <a:moveTo>
+                    <a:pt x="0" y="0"/>
+                  </a:moveTo>
+                  <a:lnTo>
+                    <a:pt x="0" y="3976792"/>
                   </a:lnTo>
                 </a:path>
               </a:pathLst>
@@ -3650,18 +3650,18 @@
           </p:nvSpPr>
           <p:spPr>
             <a:xfrm>
-              <a:off x="5954982" y="6621618"/>
-              <a:ext cx="523873" cy="0"/>
-            </a:xfrm>
-            <a:custGeom>
-              <a:avLst/>
-              <a:pathLst>
-                <a:path w="523873" h="0">
-                  <a:moveTo>
-                    <a:pt x="0" y="0"/>
-                  </a:moveTo>
-                  <a:lnTo>
-                    <a:pt x="523873" y="0"/>
+              <a:off x="5942972" y="6632333"/>
+              <a:ext cx="525433" cy="0"/>
+            </a:xfrm>
+            <a:custGeom>
+              <a:avLst/>
+              <a:pathLst>
+                <a:path w="525433" h="0">
+                  <a:moveTo>
+                    <a:pt x="0" y="0"/>
+                  </a:moveTo>
+                  <a:lnTo>
+                    <a:pt x="525433" y="0"/>
                   </a:lnTo>
                 </a:path>
               </a:pathLst>
@@ -3690,18 +3690,18 @@
           </p:nvSpPr>
           <p:spPr>
             <a:xfrm>
-              <a:off x="7002730" y="4209817"/>
-              <a:ext cx="523873" cy="0"/>
-            </a:xfrm>
-            <a:custGeom>
-              <a:avLst/>
-              <a:pathLst>
-                <a:path w="523873" h="0">
-                  <a:moveTo>
-                    <a:pt x="0" y="0"/>
-                  </a:moveTo>
-                  <a:lnTo>
-                    <a:pt x="523873" y="0"/>
+              <a:off x="6993839" y="4208703"/>
+              <a:ext cx="525433" cy="0"/>
+            </a:xfrm>
+            <a:custGeom>
+              <a:avLst/>
+              <a:pathLst>
+                <a:path w="525433" h="0">
+                  <a:moveTo>
+                    <a:pt x="0" y="0"/>
+                  </a:moveTo>
+                  <a:lnTo>
+                    <a:pt x="525433" y="0"/>
                   </a:lnTo>
                 </a:path>
               </a:pathLst>
@@ -3730,18 +3730,18 @@
           </p:nvSpPr>
           <p:spPr>
             <a:xfrm>
-              <a:off x="7264667" y="4209817"/>
-              <a:ext cx="0" cy="2439024"/>
-            </a:xfrm>
-            <a:custGeom>
-              <a:avLst/>
-              <a:pathLst>
-                <a:path w="0" h="2439024">
-                  <a:moveTo>
-                    <a:pt x="0" y="0"/>
-                  </a:moveTo>
-                  <a:lnTo>
-                    <a:pt x="0" y="2439024"/>
+              <a:off x="7256556" y="4208703"/>
+              <a:ext cx="0" cy="2450987"/>
+            </a:xfrm>
+            <a:custGeom>
+              <a:avLst/>
+              <a:pathLst>
+                <a:path w="0" h="2450987">
+                  <a:moveTo>
+                    <a:pt x="0" y="0"/>
+                  </a:moveTo>
+                  <a:lnTo>
+                    <a:pt x="0" y="2450987"/>
                   </a:lnTo>
                 </a:path>
               </a:pathLst>
@@ -3770,18 +3770,18 @@
           </p:nvSpPr>
           <p:spPr>
             <a:xfrm>
-              <a:off x="7002730" y="6648842"/>
-              <a:ext cx="523873" cy="0"/>
-            </a:xfrm>
-            <a:custGeom>
-              <a:avLst/>
-              <a:pathLst>
-                <a:path w="523873" h="0">
-                  <a:moveTo>
-                    <a:pt x="0" y="0"/>
-                  </a:moveTo>
-                  <a:lnTo>
-                    <a:pt x="523873" y="0"/>
+              <a:off x="6993839" y="6659691"/>
+              <a:ext cx="525433" cy="0"/>
+            </a:xfrm>
+            <a:custGeom>
+              <a:avLst/>
+              <a:pathLst>
+                <a:path w="525433" h="0">
+                  <a:moveTo>
+                    <a:pt x="0" y="0"/>
+                  </a:moveTo>
+                  <a:lnTo>
+                    <a:pt x="525433" y="0"/>
                   </a:lnTo>
                 </a:path>
               </a:pathLst>
@@ -3810,18 +3810,18 @@
           </p:nvSpPr>
           <p:spPr>
             <a:xfrm>
-              <a:off x="8050477" y="2457580"/>
-              <a:ext cx="523873" cy="0"/>
-            </a:xfrm>
-            <a:custGeom>
-              <a:avLst/>
-              <a:pathLst>
-                <a:path w="523873" h="0">
-                  <a:moveTo>
-                    <a:pt x="0" y="0"/>
-                  </a:moveTo>
-                  <a:lnTo>
-                    <a:pt x="523873" y="0"/>
+              <a:off x="8044706" y="2447872"/>
+              <a:ext cx="525433" cy="0"/>
+            </a:xfrm>
+            <a:custGeom>
+              <a:avLst/>
+              <a:pathLst>
+                <a:path w="525433" h="0">
+                  <a:moveTo>
+                    <a:pt x="0" y="0"/>
+                  </a:moveTo>
+                  <a:lnTo>
+                    <a:pt x="525433" y="0"/>
                   </a:lnTo>
                 </a:path>
               </a:pathLst>
@@ -3850,18 +3850,18 @@
           </p:nvSpPr>
           <p:spPr>
             <a:xfrm>
-              <a:off x="8312414" y="2457580"/>
-              <a:ext cx="0" cy="2596181"/>
-            </a:xfrm>
-            <a:custGeom>
-              <a:avLst/>
-              <a:pathLst>
-                <a:path w="0" h="2596181">
-                  <a:moveTo>
-                    <a:pt x="0" y="0"/>
-                  </a:moveTo>
-                  <a:lnTo>
-                    <a:pt x="0" y="2596181"/>
+              <a:off x="8307423" y="2447872"/>
+              <a:ext cx="0" cy="2608915"/>
+            </a:xfrm>
+            <a:custGeom>
+              <a:avLst/>
+              <a:pathLst>
+                <a:path w="0" h="2608915">
+                  <a:moveTo>
+                    <a:pt x="0" y="0"/>
+                  </a:moveTo>
+                  <a:lnTo>
+                    <a:pt x="0" y="2608915"/>
                   </a:lnTo>
                 </a:path>
               </a:pathLst>
@@ -3890,18 +3890,18 @@
           </p:nvSpPr>
           <p:spPr>
             <a:xfrm>
-              <a:off x="8050477" y="5053762"/>
-              <a:ext cx="523873" cy="0"/>
-            </a:xfrm>
-            <a:custGeom>
-              <a:avLst/>
-              <a:pathLst>
-                <a:path w="523873" h="0">
-                  <a:moveTo>
-                    <a:pt x="0" y="0"/>
-                  </a:moveTo>
-                  <a:lnTo>
-                    <a:pt x="523873" y="0"/>
+              <a:off x="8044706" y="5056787"/>
+              <a:ext cx="525433" cy="0"/>
+            </a:xfrm>
+            <a:custGeom>
+              <a:avLst/>
+              <a:pathLst>
+                <a:path w="525433" h="0">
+                  <a:moveTo>
+                    <a:pt x="0" y="0"/>
+                  </a:moveTo>
+                  <a:lnTo>
+                    <a:pt x="525433" y="0"/>
                   </a:lnTo>
                 </a:path>
               </a:pathLst>
@@ -3930,18 +3930,18 @@
           </p:nvSpPr>
           <p:spPr>
             <a:xfrm>
-              <a:off x="9098225" y="1658184"/>
-              <a:ext cx="523873" cy="0"/>
-            </a:xfrm>
-            <a:custGeom>
-              <a:avLst/>
-              <a:pathLst>
-                <a:path w="523873" h="0">
-                  <a:moveTo>
-                    <a:pt x="0" y="0"/>
-                  </a:moveTo>
-                  <a:lnTo>
-                    <a:pt x="523873" y="0"/>
+              <a:off x="9095573" y="1644555"/>
+              <a:ext cx="525433" cy="0"/>
+            </a:xfrm>
+            <a:custGeom>
+              <a:avLst/>
+              <a:pathLst>
+                <a:path w="525433" h="0">
+                  <a:moveTo>
+                    <a:pt x="0" y="0"/>
+                  </a:moveTo>
+                  <a:lnTo>
+                    <a:pt x="525433" y="0"/>
                   </a:lnTo>
                 </a:path>
               </a:pathLst>
@@ -3970,18 +3970,18 @@
           </p:nvSpPr>
           <p:spPr>
             <a:xfrm>
-              <a:off x="9360162" y="1658184"/>
-              <a:ext cx="0" cy="564279"/>
-            </a:xfrm>
-            <a:custGeom>
-              <a:avLst/>
-              <a:pathLst>
-                <a:path w="0" h="564279">
-                  <a:moveTo>
-                    <a:pt x="0" y="0"/>
-                  </a:moveTo>
-                  <a:lnTo>
-                    <a:pt x="0" y="564279"/>
+              <a:off x="9358290" y="1644555"/>
+              <a:ext cx="0" cy="567047"/>
+            </a:xfrm>
+            <a:custGeom>
+              <a:avLst/>
+              <a:pathLst>
+                <a:path w="0" h="567047">
+                  <a:moveTo>
+                    <a:pt x="0" y="0"/>
+                  </a:moveTo>
+                  <a:lnTo>
+                    <a:pt x="0" y="567047"/>
                   </a:lnTo>
                 </a:path>
               </a:pathLst>
@@ -4010,18 +4010,18 @@
           </p:nvSpPr>
           <p:spPr>
             <a:xfrm>
-              <a:off x="9098225" y="2222463"/>
-              <a:ext cx="523873" cy="0"/>
-            </a:xfrm>
-            <a:custGeom>
-              <a:avLst/>
-              <a:pathLst>
-                <a:path w="523873" h="0">
-                  <a:moveTo>
-                    <a:pt x="0" y="0"/>
-                  </a:moveTo>
-                  <a:lnTo>
-                    <a:pt x="523873" y="0"/>
+              <a:off x="9095573" y="2211602"/>
+              <a:ext cx="525433" cy="0"/>
+            </a:xfrm>
+            <a:custGeom>
+              <a:avLst/>
+              <a:pathLst>
+                <a:path w="525433" h="0">
+                  <a:moveTo>
+                    <a:pt x="0" y="0"/>
+                  </a:moveTo>
+                  <a:lnTo>
+                    <a:pt x="525433" y="0"/>
                   </a:lnTo>
                 </a:path>
               </a:pathLst>
@@ -4050,15 +4050,15 @@
           </p:nvSpPr>
           <p:spPr>
             <a:xfrm>
-              <a:off x="2025928" y="3294100"/>
-              <a:ext cx="0" cy="1056168"/>
-            </a:xfrm>
-            <a:custGeom>
-              <a:avLst/>
-              <a:pathLst>
-                <a:path w="0" h="1056168">
-                  <a:moveTo>
-                    <a:pt x="0" y="1056168"/>
+              <a:off x="2002220" y="3288495"/>
+              <a:ext cx="0" cy="1061348"/>
+            </a:xfrm>
+            <a:custGeom>
+              <a:avLst/>
+              <a:pathLst>
+                <a:path w="0" h="1061348">
+                  <a:moveTo>
+                    <a:pt x="0" y="1061348"/>
                   </a:moveTo>
                   <a:lnTo>
                     <a:pt x="0" y="0"/>
@@ -4090,18 +4090,18 @@
           </p:nvSpPr>
           <p:spPr>
             <a:xfrm>
-              <a:off x="2025928" y="6457036"/>
-              <a:ext cx="0" cy="137357"/>
-            </a:xfrm>
-            <a:custGeom>
-              <a:avLst/>
-              <a:pathLst>
-                <a:path w="0" h="137357">
-                  <a:moveTo>
-                    <a:pt x="0" y="0"/>
-                  </a:moveTo>
-                  <a:lnTo>
-                    <a:pt x="0" y="137357"/>
+              <a:off x="2002220" y="6466944"/>
+              <a:ext cx="0" cy="138031"/>
+            </a:xfrm>
+            <a:custGeom>
+              <a:avLst/>
+              <a:pathLst>
+                <a:path w="0" h="138031">
+                  <a:moveTo>
+                    <a:pt x="0" y="0"/>
+                  </a:moveTo>
+                  <a:lnTo>
+                    <a:pt x="0" y="138031"/>
                   </a:lnTo>
                 </a:path>
               </a:pathLst>
@@ -4130,24 +4130,24 @@
           </p:nvSpPr>
           <p:spPr>
             <a:xfrm>
-              <a:off x="1633023" y="4350268"/>
-              <a:ext cx="785810" cy="2106768"/>
-            </a:xfrm>
-            <a:custGeom>
-              <a:avLst/>
-              <a:pathLst>
-                <a:path w="785810" h="2106768">
-                  <a:moveTo>
-                    <a:pt x="0" y="0"/>
-                  </a:moveTo>
-                  <a:lnTo>
-                    <a:pt x="0" y="2106768"/>
-                  </a:lnTo>
-                  <a:lnTo>
-                    <a:pt x="785810" y="2106768"/>
-                  </a:lnTo>
-                  <a:lnTo>
-                    <a:pt x="785810" y="0"/>
+              <a:off x="1608145" y="4349843"/>
+              <a:ext cx="788150" cy="2117101"/>
+            </a:xfrm>
+            <a:custGeom>
+              <a:avLst/>
+              <a:pathLst>
+                <a:path w="788150" h="2117101">
+                  <a:moveTo>
+                    <a:pt x="0" y="0"/>
+                  </a:moveTo>
+                  <a:lnTo>
+                    <a:pt x="0" y="2117101"/>
+                  </a:lnTo>
+                  <a:lnTo>
+                    <a:pt x="788150" y="2117101"/>
+                  </a:lnTo>
+                  <a:lnTo>
+                    <a:pt x="788150" y="0"/>
                   </a:lnTo>
                   <a:close/>
                 </a:path>
@@ -4182,18 +4182,18 @@
           </p:nvSpPr>
           <p:spPr>
             <a:xfrm>
-              <a:off x="1633023" y="6386501"/>
-              <a:ext cx="785810" cy="0"/>
-            </a:xfrm>
-            <a:custGeom>
-              <a:avLst/>
-              <a:pathLst>
-                <a:path w="785810" h="0">
-                  <a:moveTo>
-                    <a:pt x="0" y="0"/>
-                  </a:moveTo>
-                  <a:lnTo>
-                    <a:pt x="785810" y="0"/>
+              <a:off x="1608145" y="6396063"/>
+              <a:ext cx="788150" cy="0"/>
+            </a:xfrm>
+            <a:custGeom>
+              <a:avLst/>
+              <a:pathLst>
+                <a:path w="788150" h="0">
+                  <a:moveTo>
+                    <a:pt x="0" y="0"/>
+                  </a:moveTo>
+                  <a:lnTo>
+                    <a:pt x="788150" y="0"/>
                   </a:lnTo>
                 </a:path>
               </a:pathLst>
@@ -4222,15 +4222,15 @@
           </p:nvSpPr>
           <p:spPr>
             <a:xfrm>
-              <a:off x="3073676" y="2045507"/>
-              <a:ext cx="0" cy="191805"/>
-            </a:xfrm>
-            <a:custGeom>
-              <a:avLst/>
-              <a:pathLst>
-                <a:path w="0" h="191805">
-                  <a:moveTo>
-                    <a:pt x="0" y="191805"/>
+              <a:off x="3053087" y="2033778"/>
+              <a:ext cx="0" cy="192746"/>
+            </a:xfrm>
+            <a:custGeom>
+              <a:avLst/>
+              <a:pathLst>
+                <a:path w="0" h="192746">
+                  <a:moveTo>
+                    <a:pt x="0" y="192746"/>
                   </a:moveTo>
                   <a:lnTo>
                     <a:pt x="0" y="0"/>
@@ -4262,18 +4262,18 @@
           </p:nvSpPr>
           <p:spPr>
             <a:xfrm>
-              <a:off x="3073676" y="2570807"/>
-              <a:ext cx="0" cy="428778"/>
-            </a:xfrm>
-            <a:custGeom>
-              <a:avLst/>
-              <a:pathLst>
-                <a:path w="0" h="428778">
-                  <a:moveTo>
-                    <a:pt x="0" y="0"/>
-                  </a:moveTo>
-                  <a:lnTo>
-                    <a:pt x="0" y="428778"/>
+              <a:off x="3053087" y="2561654"/>
+              <a:ext cx="0" cy="430881"/>
+            </a:xfrm>
+            <a:custGeom>
+              <a:avLst/>
+              <a:pathLst>
+                <a:path w="0" h="430881">
+                  <a:moveTo>
+                    <a:pt x="0" y="0"/>
+                  </a:moveTo>
+                  <a:lnTo>
+                    <a:pt x="0" y="430881"/>
                   </a:lnTo>
                 </a:path>
               </a:pathLst>
@@ -4302,24 +4302,24 @@
           </p:nvSpPr>
           <p:spPr>
             <a:xfrm>
-              <a:off x="2680771" y="2237313"/>
-              <a:ext cx="785810" cy="333494"/>
-            </a:xfrm>
-            <a:custGeom>
-              <a:avLst/>
-              <a:pathLst>
-                <a:path w="785810" h="333494">
-                  <a:moveTo>
-                    <a:pt x="0" y="0"/>
-                  </a:moveTo>
-                  <a:lnTo>
-                    <a:pt x="0" y="333494"/>
-                  </a:lnTo>
-                  <a:lnTo>
-                    <a:pt x="785810" y="333494"/>
-                  </a:lnTo>
-                  <a:lnTo>
-                    <a:pt x="785810" y="0"/>
+              <a:off x="2659012" y="2226524"/>
+              <a:ext cx="788150" cy="335129"/>
+            </a:xfrm>
+            <a:custGeom>
+              <a:avLst/>
+              <a:pathLst>
+                <a:path w="788150" h="335129">
+                  <a:moveTo>
+                    <a:pt x="0" y="0"/>
+                  </a:moveTo>
+                  <a:lnTo>
+                    <a:pt x="0" y="335129"/>
+                  </a:lnTo>
+                  <a:lnTo>
+                    <a:pt x="788150" y="335129"/>
+                  </a:lnTo>
+                  <a:lnTo>
+                    <a:pt x="788150" y="0"/>
                   </a:lnTo>
                   <a:close/>
                 </a:path>
@@ -4354,18 +4354,18 @@
           </p:nvSpPr>
           <p:spPr>
             <a:xfrm>
-              <a:off x="2680771" y="2281242"/>
-              <a:ext cx="785810" cy="0"/>
-            </a:xfrm>
-            <a:custGeom>
-              <a:avLst/>
-              <a:pathLst>
-                <a:path w="785810" h="0">
-                  <a:moveTo>
-                    <a:pt x="0" y="0"/>
-                  </a:moveTo>
-                  <a:lnTo>
-                    <a:pt x="785810" y="0"/>
+              <a:off x="2659012" y="2270669"/>
+              <a:ext cx="788150" cy="0"/>
+            </a:xfrm>
+            <a:custGeom>
+              <a:avLst/>
+              <a:pathLst>
+                <a:path w="788150" h="0">
+                  <a:moveTo>
+                    <a:pt x="0" y="0"/>
+                  </a:moveTo>
+                  <a:lnTo>
+                    <a:pt x="788150" y="0"/>
                   </a:lnTo>
                 </a:path>
               </a:pathLst>
@@ -4394,15 +4394,15 @@
           </p:nvSpPr>
           <p:spPr>
             <a:xfrm>
-              <a:off x="4121424" y="3803932"/>
-              <a:ext cx="0" cy="294205"/>
-            </a:xfrm>
-            <a:custGeom>
-              <a:avLst/>
-              <a:pathLst>
-                <a:path w="0" h="294205">
-                  <a:moveTo>
-                    <a:pt x="0" y="294205"/>
+              <a:off x="4103955" y="3800827"/>
+              <a:ext cx="0" cy="295648"/>
+            </a:xfrm>
+            <a:custGeom>
+              <a:avLst/>
+              <a:pathLst>
+                <a:path w="0" h="295648">
+                  <a:moveTo>
+                    <a:pt x="0" y="295648"/>
                   </a:moveTo>
                   <a:lnTo>
                     <a:pt x="0" y="0"/>
@@ -4434,18 +4434,18 @@
           </p:nvSpPr>
           <p:spPr>
             <a:xfrm>
-              <a:off x="4121424" y="4350268"/>
-              <a:ext cx="0" cy="308745"/>
-            </a:xfrm>
-            <a:custGeom>
-              <a:avLst/>
-              <a:pathLst>
-                <a:path w="0" h="308745">
-                  <a:moveTo>
-                    <a:pt x="0" y="0"/>
-                  </a:moveTo>
-                  <a:lnTo>
-                    <a:pt x="0" y="308745"/>
+              <a:off x="4103955" y="4349843"/>
+              <a:ext cx="0" cy="310259"/>
+            </a:xfrm>
+            <a:custGeom>
+              <a:avLst/>
+              <a:pathLst>
+                <a:path w="0" h="310259">
+                  <a:moveTo>
+                    <a:pt x="0" y="0"/>
+                  </a:moveTo>
+                  <a:lnTo>
+                    <a:pt x="0" y="310259"/>
                   </a:lnTo>
                 </a:path>
               </a:pathLst>
@@ -4474,24 +4474,24 @@
           </p:nvSpPr>
           <p:spPr>
             <a:xfrm>
-              <a:off x="3728518" y="4098137"/>
-              <a:ext cx="785810" cy="252131"/>
-            </a:xfrm>
-            <a:custGeom>
-              <a:avLst/>
-              <a:pathLst>
-                <a:path w="785810" h="252131">
-                  <a:moveTo>
-                    <a:pt x="0" y="0"/>
-                  </a:moveTo>
-                  <a:lnTo>
-                    <a:pt x="0" y="252131"/>
-                  </a:lnTo>
-                  <a:lnTo>
-                    <a:pt x="785810" y="252131"/>
-                  </a:lnTo>
-                  <a:lnTo>
-                    <a:pt x="785810" y="0"/>
+              <a:off x="3709879" y="4096475"/>
+              <a:ext cx="788150" cy="253368"/>
+            </a:xfrm>
+            <a:custGeom>
+              <a:avLst/>
+              <a:pathLst>
+                <a:path w="788150" h="253368">
+                  <a:moveTo>
+                    <a:pt x="0" y="0"/>
+                  </a:moveTo>
+                  <a:lnTo>
+                    <a:pt x="0" y="253368"/>
+                  </a:lnTo>
+                  <a:lnTo>
+                    <a:pt x="788150" y="253368"/>
+                  </a:lnTo>
+                  <a:lnTo>
+                    <a:pt x="788150" y="0"/>
                   </a:lnTo>
                   <a:close/>
                 </a:path>
@@ -4526,18 +4526,18 @@
           </p:nvSpPr>
           <p:spPr>
             <a:xfrm>
-              <a:off x="3728518" y="4146088"/>
-              <a:ext cx="785810" cy="0"/>
-            </a:xfrm>
-            <a:custGeom>
-              <a:avLst/>
-              <a:pathLst>
-                <a:path w="785810" h="0">
-                  <a:moveTo>
-                    <a:pt x="0" y="0"/>
-                  </a:moveTo>
-                  <a:lnTo>
-                    <a:pt x="785810" y="0"/>
+              <a:off x="3709879" y="4144662"/>
+              <a:ext cx="788150" cy="0"/>
+            </a:xfrm>
+            <a:custGeom>
+              <a:avLst/>
+              <a:pathLst>
+                <a:path w="788150" h="0">
+                  <a:moveTo>
+                    <a:pt x="0" y="0"/>
+                  </a:moveTo>
+                  <a:lnTo>
+                    <a:pt x="788150" y="0"/>
                   </a:lnTo>
                 </a:path>
               </a:pathLst>
@@ -4566,15 +4566,15 @@
           </p:nvSpPr>
           <p:spPr>
             <a:xfrm>
-              <a:off x="5169171" y="4986939"/>
-              <a:ext cx="0" cy="378661"/>
-            </a:xfrm>
-            <a:custGeom>
-              <a:avLst/>
-              <a:pathLst>
-                <a:path w="0" h="378661">
-                  <a:moveTo>
-                    <a:pt x="0" y="378661"/>
+              <a:off x="5154822" y="4989637"/>
+              <a:ext cx="0" cy="380518"/>
+            </a:xfrm>
+            <a:custGeom>
+              <a:avLst/>
+              <a:pathLst>
+                <a:path w="0" h="380518">
+                  <a:moveTo>
+                    <a:pt x="0" y="380518"/>
                   </a:moveTo>
                   <a:lnTo>
                     <a:pt x="0" y="0"/>
@@ -4606,18 +4606,18 @@
           </p:nvSpPr>
           <p:spPr>
             <a:xfrm>
-              <a:off x="5169171" y="6146435"/>
-              <a:ext cx="0" cy="394748"/>
-            </a:xfrm>
-            <a:custGeom>
-              <a:avLst/>
-              <a:pathLst>
-                <a:path w="0" h="394748">
-                  <a:moveTo>
-                    <a:pt x="0" y="0"/>
-                  </a:moveTo>
-                  <a:lnTo>
-                    <a:pt x="0" y="394748"/>
+              <a:off x="5154822" y="6154820"/>
+              <a:ext cx="0" cy="396684"/>
+            </a:xfrm>
+            <a:custGeom>
+              <a:avLst/>
+              <a:pathLst>
+                <a:path w="0" h="396684">
+                  <a:moveTo>
+                    <a:pt x="0" y="0"/>
+                  </a:moveTo>
+                  <a:lnTo>
+                    <a:pt x="0" y="396684"/>
                   </a:lnTo>
                 </a:path>
               </a:pathLst>
@@ -4646,24 +4646,24 @@
           </p:nvSpPr>
           <p:spPr>
             <a:xfrm>
-              <a:off x="4776266" y="5365600"/>
-              <a:ext cx="785810" cy="780834"/>
-            </a:xfrm>
-            <a:custGeom>
-              <a:avLst/>
-              <a:pathLst>
-                <a:path w="785810" h="780834">
-                  <a:moveTo>
-                    <a:pt x="0" y="0"/>
-                  </a:moveTo>
-                  <a:lnTo>
-                    <a:pt x="0" y="780834"/>
-                  </a:lnTo>
-                  <a:lnTo>
-                    <a:pt x="785810" y="780834"/>
-                  </a:lnTo>
-                  <a:lnTo>
-                    <a:pt x="785810" y="0"/>
+              <a:off x="4760746" y="5370155"/>
+              <a:ext cx="788150" cy="784664"/>
+            </a:xfrm>
+            <a:custGeom>
+              <a:avLst/>
+              <a:pathLst>
+                <a:path w="788150" h="784664">
+                  <a:moveTo>
+                    <a:pt x="0" y="0"/>
+                  </a:moveTo>
+                  <a:lnTo>
+                    <a:pt x="0" y="784664"/>
+                  </a:lnTo>
+                  <a:lnTo>
+                    <a:pt x="788150" y="784664"/>
+                  </a:lnTo>
+                  <a:lnTo>
+                    <a:pt x="788150" y="0"/>
                   </a:lnTo>
                   <a:close/>
                 </a:path>
@@ -4698,18 +4698,18 @@
           </p:nvSpPr>
           <p:spPr>
             <a:xfrm>
-              <a:off x="4776266" y="5502958"/>
-              <a:ext cx="785810" cy="0"/>
-            </a:xfrm>
-            <a:custGeom>
-              <a:avLst/>
-              <a:pathLst>
-                <a:path w="785810" h="0">
-                  <a:moveTo>
-                    <a:pt x="0" y="0"/>
-                  </a:moveTo>
-                  <a:lnTo>
-                    <a:pt x="785810" y="0"/>
+              <a:off x="4760746" y="5508187"/>
+              <a:ext cx="788150" cy="0"/>
+            </a:xfrm>
+            <a:custGeom>
+              <a:avLst/>
+              <a:pathLst>
+                <a:path w="788150" h="0">
+                  <a:moveTo>
+                    <a:pt x="0" y="0"/>
+                  </a:moveTo>
+                  <a:lnTo>
+                    <a:pt x="788150" y="0"/>
                   </a:lnTo>
                 </a:path>
               </a:pathLst>
@@ -4738,15 +4738,15 @@
           </p:nvSpPr>
           <p:spPr>
             <a:xfrm>
-              <a:off x="6216919" y="2664235"/>
-              <a:ext cx="0" cy="858794"/>
-            </a:xfrm>
-            <a:custGeom>
-              <a:avLst/>
-              <a:pathLst>
-                <a:path w="0" h="858794">
-                  <a:moveTo>
-                    <a:pt x="0" y="858794"/>
+              <a:off x="6205689" y="2655540"/>
+              <a:ext cx="0" cy="863006"/>
+            </a:xfrm>
+            <a:custGeom>
+              <a:avLst/>
+              <a:pathLst>
+                <a:path w="0" h="863006">
+                  <a:moveTo>
+                    <a:pt x="0" y="863006"/>
                   </a:moveTo>
                   <a:lnTo>
                     <a:pt x="0" y="0"/>
@@ -4778,18 +4778,18 @@
           </p:nvSpPr>
           <p:spPr>
             <a:xfrm>
-              <a:off x="6216919" y="6513959"/>
-              <a:ext cx="0" cy="107658"/>
-            </a:xfrm>
-            <a:custGeom>
-              <a:avLst/>
-              <a:pathLst>
-                <a:path w="0" h="107658">
-                  <a:moveTo>
-                    <a:pt x="0" y="0"/>
-                  </a:moveTo>
-                  <a:lnTo>
-                    <a:pt x="0" y="107658"/>
+              <a:off x="6205689" y="6524146"/>
+              <a:ext cx="0" cy="108186"/>
+            </a:xfrm>
+            <a:custGeom>
+              <a:avLst/>
+              <a:pathLst>
+                <a:path w="0" h="108186">
+                  <a:moveTo>
+                    <a:pt x="0" y="0"/>
+                  </a:moveTo>
+                  <a:lnTo>
+                    <a:pt x="0" y="108186"/>
                   </a:lnTo>
                 </a:path>
               </a:pathLst>
@@ -4818,24 +4818,24 @@
           </p:nvSpPr>
           <p:spPr>
             <a:xfrm>
-              <a:off x="5824014" y="3523029"/>
-              <a:ext cx="785810" cy="2990930"/>
-            </a:xfrm>
-            <a:custGeom>
-              <a:avLst/>
-              <a:pathLst>
-                <a:path w="785810" h="2990930">
-                  <a:moveTo>
-                    <a:pt x="0" y="0"/>
-                  </a:moveTo>
-                  <a:lnTo>
-                    <a:pt x="0" y="2990930"/>
-                  </a:lnTo>
-                  <a:lnTo>
-                    <a:pt x="785810" y="2990930"/>
-                  </a:lnTo>
-                  <a:lnTo>
-                    <a:pt x="785810" y="0"/>
+              <a:off x="5811614" y="3518547"/>
+              <a:ext cx="788150" cy="3005599"/>
+            </a:xfrm>
+            <a:custGeom>
+              <a:avLst/>
+              <a:pathLst>
+                <a:path w="788150" h="3005599">
+                  <a:moveTo>
+                    <a:pt x="0" y="0"/>
+                  </a:moveTo>
+                  <a:lnTo>
+                    <a:pt x="0" y="3005599"/>
+                  </a:lnTo>
+                  <a:lnTo>
+                    <a:pt x="788150" y="3005599"/>
+                  </a:lnTo>
+                  <a:lnTo>
+                    <a:pt x="788150" y="0"/>
                   </a:lnTo>
                   <a:close/>
                 </a:path>
@@ -4870,18 +4870,18 @@
           </p:nvSpPr>
           <p:spPr>
             <a:xfrm>
-              <a:off x="5824014" y="4238278"/>
-              <a:ext cx="785810" cy="0"/>
-            </a:xfrm>
-            <a:custGeom>
-              <a:avLst/>
-              <a:pathLst>
-                <a:path w="785810" h="0">
-                  <a:moveTo>
-                    <a:pt x="0" y="0"/>
-                  </a:moveTo>
-                  <a:lnTo>
-                    <a:pt x="785810" y="0"/>
+              <a:off x="5811614" y="4237304"/>
+              <a:ext cx="788150" cy="0"/>
+            </a:xfrm>
+            <a:custGeom>
+              <a:avLst/>
+              <a:pathLst>
+                <a:path w="788150" h="0">
+                  <a:moveTo>
+                    <a:pt x="0" y="0"/>
+                  </a:moveTo>
+                  <a:lnTo>
+                    <a:pt x="788150" y="0"/>
                   </a:lnTo>
                 </a:path>
               </a:pathLst>
@@ -4910,15 +4910,15 @@
           </p:nvSpPr>
           <p:spPr>
             <a:xfrm>
-              <a:off x="7264667" y="4209817"/>
-              <a:ext cx="0" cy="465592"/>
-            </a:xfrm>
-            <a:custGeom>
-              <a:avLst/>
-              <a:pathLst>
-                <a:path w="0" h="465592">
-                  <a:moveTo>
-                    <a:pt x="0" y="465592"/>
+              <a:off x="7256556" y="4208703"/>
+              <a:ext cx="0" cy="467876"/>
+            </a:xfrm>
+            <a:custGeom>
+              <a:avLst/>
+              <a:pathLst>
+                <a:path w="0" h="467876">
+                  <a:moveTo>
+                    <a:pt x="0" y="467876"/>
                   </a:moveTo>
                   <a:lnTo>
                     <a:pt x="0" y="0"/>
@@ -4950,18 +4950,18 @@
           </p:nvSpPr>
           <p:spPr>
             <a:xfrm>
-              <a:off x="7264667" y="6296786"/>
-              <a:ext cx="0" cy="352056"/>
-            </a:xfrm>
-            <a:custGeom>
-              <a:avLst/>
-              <a:pathLst>
-                <a:path w="0" h="352056">
-                  <a:moveTo>
-                    <a:pt x="0" y="0"/>
-                  </a:moveTo>
-                  <a:lnTo>
-                    <a:pt x="0" y="352056"/>
+              <a:off x="7256556" y="6305908"/>
+              <a:ext cx="0" cy="353782"/>
+            </a:xfrm>
+            <a:custGeom>
+              <a:avLst/>
+              <a:pathLst>
+                <a:path w="0" h="353782">
+                  <a:moveTo>
+                    <a:pt x="0" y="0"/>
+                  </a:moveTo>
+                  <a:lnTo>
+                    <a:pt x="0" y="353782"/>
                   </a:lnTo>
                 </a:path>
               </a:pathLst>
@@ -4990,24 +4990,24 @@
           </p:nvSpPr>
           <p:spPr>
             <a:xfrm>
-              <a:off x="6871761" y="4675410"/>
-              <a:ext cx="785810" cy="1621376"/>
-            </a:xfrm>
-            <a:custGeom>
-              <a:avLst/>
-              <a:pathLst>
-                <a:path w="785810" h="1621376">
-                  <a:moveTo>
-                    <a:pt x="0" y="0"/>
-                  </a:moveTo>
-                  <a:lnTo>
-                    <a:pt x="0" y="1621376"/>
-                  </a:lnTo>
-                  <a:lnTo>
-                    <a:pt x="785810" y="1621376"/>
-                  </a:lnTo>
-                  <a:lnTo>
-                    <a:pt x="785810" y="0"/>
+              <a:off x="6862481" y="4676579"/>
+              <a:ext cx="788150" cy="1629328"/>
+            </a:xfrm>
+            <a:custGeom>
+              <a:avLst/>
+              <a:pathLst>
+                <a:path w="788150" h="1629328">
+                  <a:moveTo>
+                    <a:pt x="0" y="0"/>
+                  </a:moveTo>
+                  <a:lnTo>
+                    <a:pt x="0" y="1629328"/>
+                  </a:lnTo>
+                  <a:lnTo>
+                    <a:pt x="788150" y="1629328"/>
+                  </a:lnTo>
+                  <a:lnTo>
+                    <a:pt x="788150" y="0"/>
                   </a:lnTo>
                   <a:close/>
                 </a:path>
@@ -5042,18 +5042,18 @@
           </p:nvSpPr>
           <p:spPr>
             <a:xfrm>
-              <a:off x="6871761" y="5614329"/>
-              <a:ext cx="785810" cy="0"/>
-            </a:xfrm>
-            <a:custGeom>
-              <a:avLst/>
-              <a:pathLst>
-                <a:path w="785810" h="0">
-                  <a:moveTo>
-                    <a:pt x="0" y="0"/>
-                  </a:moveTo>
-                  <a:lnTo>
-                    <a:pt x="785810" y="0"/>
+              <a:off x="6862481" y="5620104"/>
+              <a:ext cx="788150" cy="0"/>
+            </a:xfrm>
+            <a:custGeom>
+              <a:avLst/>
+              <a:pathLst>
+                <a:path w="788150" h="0">
+                  <a:moveTo>
+                    <a:pt x="0" y="0"/>
+                  </a:moveTo>
+                  <a:lnTo>
+                    <a:pt x="788150" y="0"/>
                   </a:lnTo>
                 </a:path>
               </a:pathLst>
@@ -5082,15 +5082,15 @@
           </p:nvSpPr>
           <p:spPr>
             <a:xfrm>
-              <a:off x="8312414" y="2457580"/>
-              <a:ext cx="0" cy="683384"/>
-            </a:xfrm>
-            <a:custGeom>
-              <a:avLst/>
-              <a:pathLst>
-                <a:path w="0" h="683384">
-                  <a:moveTo>
-                    <a:pt x="0" y="683384"/>
+              <a:off x="8307423" y="2447872"/>
+              <a:ext cx="0" cy="686736"/>
+            </a:xfrm>
+            <a:custGeom>
+              <a:avLst/>
+              <a:pathLst>
+                <a:path w="0" h="686736">
+                  <a:moveTo>
+                    <a:pt x="0" y="686736"/>
                   </a:moveTo>
                   <a:lnTo>
                     <a:pt x="0" y="0"/>
@@ -5122,18 +5122,18 @@
           </p:nvSpPr>
           <p:spPr>
             <a:xfrm>
-              <a:off x="8312414" y="3919943"/>
-              <a:ext cx="0" cy="1133818"/>
-            </a:xfrm>
-            <a:custGeom>
-              <a:avLst/>
-              <a:pathLst>
-                <a:path w="0" h="1133818">
-                  <a:moveTo>
-                    <a:pt x="0" y="0"/>
-                  </a:moveTo>
-                  <a:lnTo>
-                    <a:pt x="0" y="1133818"/>
+              <a:off x="8307423" y="3917407"/>
+              <a:ext cx="0" cy="1139379"/>
+            </a:xfrm>
+            <a:custGeom>
+              <a:avLst/>
+              <a:pathLst>
+                <a:path w="0" h="1139379">
+                  <a:moveTo>
+                    <a:pt x="0" y="0"/>
+                  </a:moveTo>
+                  <a:lnTo>
+                    <a:pt x="0" y="1139379"/>
                   </a:lnTo>
                 </a:path>
               </a:pathLst>
@@ -5162,24 +5162,24 @@
           </p:nvSpPr>
           <p:spPr>
             <a:xfrm>
-              <a:off x="7919509" y="3140965"/>
-              <a:ext cx="785810" cy="778978"/>
-            </a:xfrm>
-            <a:custGeom>
-              <a:avLst/>
-              <a:pathLst>
-                <a:path w="785810" h="778978">
-                  <a:moveTo>
-                    <a:pt x="0" y="0"/>
-                  </a:moveTo>
-                  <a:lnTo>
-                    <a:pt x="0" y="778978"/>
-                  </a:lnTo>
-                  <a:lnTo>
-                    <a:pt x="785810" y="778978"/>
-                  </a:lnTo>
-                  <a:lnTo>
-                    <a:pt x="785810" y="0"/>
+              <a:off x="7913348" y="3134608"/>
+              <a:ext cx="788150" cy="782798"/>
+            </a:xfrm>
+            <a:custGeom>
+              <a:avLst/>
+              <a:pathLst>
+                <a:path w="788150" h="782798">
+                  <a:moveTo>
+                    <a:pt x="0" y="0"/>
+                  </a:moveTo>
+                  <a:lnTo>
+                    <a:pt x="0" y="782798"/>
+                  </a:lnTo>
+                  <a:lnTo>
+                    <a:pt x="788150" y="782798"/>
+                  </a:lnTo>
+                  <a:lnTo>
+                    <a:pt x="788150" y="0"/>
                   </a:lnTo>
                   <a:close/>
                 </a:path>
@@ -5214,18 +5214,18 @@
           </p:nvSpPr>
           <p:spPr>
             <a:xfrm>
-              <a:off x="7919509" y="3374534"/>
-              <a:ext cx="785810" cy="0"/>
-            </a:xfrm>
-            <a:custGeom>
-              <a:avLst/>
-              <a:pathLst>
-                <a:path w="785810" h="0">
-                  <a:moveTo>
-                    <a:pt x="0" y="0"/>
-                  </a:moveTo>
-                  <a:lnTo>
-                    <a:pt x="785810" y="0"/>
+              <a:off x="7913348" y="3369324"/>
+              <a:ext cx="788150" cy="0"/>
+            </a:xfrm>
+            <a:custGeom>
+              <a:avLst/>
+              <a:pathLst>
+                <a:path w="788150" h="0">
+                  <a:moveTo>
+                    <a:pt x="0" y="0"/>
+                  </a:moveTo>
+                  <a:lnTo>
+                    <a:pt x="788150" y="0"/>
                   </a:lnTo>
                 </a:path>
               </a:pathLst>
@@ -5254,15 +5254,15 @@
           </p:nvSpPr>
           <p:spPr>
             <a:xfrm>
-              <a:off x="9360162" y="1658184"/>
-              <a:ext cx="0" cy="87240"/>
-            </a:xfrm>
-            <a:custGeom>
-              <a:avLst/>
-              <a:pathLst>
-                <a:path w="0" h="87240">
-                  <a:moveTo>
-                    <a:pt x="0" y="87240"/>
+              <a:off x="9358290" y="1644555"/>
+              <a:ext cx="0" cy="87668"/>
+            </a:xfrm>
+            <a:custGeom>
+              <a:avLst/>
+              <a:pathLst>
+                <a:path w="0" h="87668">
+                  <a:moveTo>
+                    <a:pt x="0" y="87668"/>
                   </a:moveTo>
                   <a:lnTo>
                     <a:pt x="0" y="0"/>
@@ -5294,18 +5294,18 @@
           </p:nvSpPr>
           <p:spPr>
             <a:xfrm>
-              <a:off x="9360162" y="1936611"/>
-              <a:ext cx="0" cy="285852"/>
-            </a:xfrm>
-            <a:custGeom>
-              <a:avLst/>
-              <a:pathLst>
-                <a:path w="0" h="285852">
-                  <a:moveTo>
-                    <a:pt x="0" y="0"/>
-                  </a:moveTo>
-                  <a:lnTo>
-                    <a:pt x="0" y="285852"/>
+              <a:off x="9358290" y="1924348"/>
+              <a:ext cx="0" cy="287254"/>
+            </a:xfrm>
+            <a:custGeom>
+              <a:avLst/>
+              <a:pathLst>
+                <a:path w="0" h="287254">
+                  <a:moveTo>
+                    <a:pt x="0" y="0"/>
+                  </a:moveTo>
+                  <a:lnTo>
+                    <a:pt x="0" y="287254"/>
                   </a:lnTo>
                 </a:path>
               </a:pathLst>
@@ -5334,24 +5334,24 @@
           </p:nvSpPr>
           <p:spPr>
             <a:xfrm>
-              <a:off x="8967257" y="1745424"/>
-              <a:ext cx="785810" cy="191186"/>
-            </a:xfrm>
-            <a:custGeom>
-              <a:avLst/>
-              <a:pathLst>
-                <a:path w="785810" h="191186">
-                  <a:moveTo>
-                    <a:pt x="0" y="0"/>
-                  </a:moveTo>
-                  <a:lnTo>
-                    <a:pt x="0" y="191186"/>
-                  </a:lnTo>
-                  <a:lnTo>
-                    <a:pt x="785810" y="191186"/>
-                  </a:lnTo>
-                  <a:lnTo>
-                    <a:pt x="785810" y="0"/>
+              <a:off x="8964215" y="1732223"/>
+              <a:ext cx="788150" cy="192124"/>
+            </a:xfrm>
+            <a:custGeom>
+              <a:avLst/>
+              <a:pathLst>
+                <a:path w="788150" h="192124">
+                  <a:moveTo>
+                    <a:pt x="0" y="0"/>
+                  </a:moveTo>
+                  <a:lnTo>
+                    <a:pt x="0" y="192124"/>
+                  </a:lnTo>
+                  <a:lnTo>
+                    <a:pt x="788150" y="192124"/>
+                  </a:lnTo>
+                  <a:lnTo>
+                    <a:pt x="788150" y="0"/>
                   </a:lnTo>
                   <a:close/>
                 </a:path>
@@ -5386,18 +5386,18 @@
           </p:nvSpPr>
           <p:spPr>
             <a:xfrm>
-              <a:off x="8967257" y="1814103"/>
-              <a:ext cx="785810" cy="0"/>
-            </a:xfrm>
-            <a:custGeom>
-              <a:avLst/>
-              <a:pathLst>
-                <a:path w="785810" h="0">
-                  <a:moveTo>
-                    <a:pt x="0" y="0"/>
-                  </a:moveTo>
-                  <a:lnTo>
-                    <a:pt x="785810" y="0"/>
+              <a:off x="8964215" y="1801239"/>
+              <a:ext cx="788150" cy="0"/>
+            </a:xfrm>
+            <a:custGeom>
+              <a:avLst/>
+              <a:pathLst>
+                <a:path w="788150" h="0">
+                  <a:moveTo>
+                    <a:pt x="0" y="0"/>
+                  </a:moveTo>
+                  <a:lnTo>
+                    <a:pt x="788150" y="0"/>
                   </a:lnTo>
                 </a:path>
               </a:pathLst>
@@ -5426,8 +5426,8 @@
           </p:nvSpPr>
           <p:spPr>
             <a:xfrm>
-              <a:off x="1397280" y="1407846"/>
-              <a:ext cx="8591530" cy="5507419"/>
+              <a:off x="1371700" y="1392990"/>
+              <a:ext cx="8617110" cy="5534432"/>
             </a:xfrm>
             <a:prstGeom prst="rect">
               <a:avLst/>
@@ -5456,8 +5456,8 @@
           </p:nvSpPr>
           <p:spPr>
             <a:xfrm>
-              <a:off x="1148183" y="6626949"/>
-              <a:ext cx="186466" cy="81691"/>
+              <a:off x="1141430" y="6639751"/>
+              <a:ext cx="167640" cy="76835"/>
             </a:xfrm>
             <a:prstGeom prst="rect">
               <a:avLst/>
@@ -5486,8 +5486,8 @@
                       <a:alpha val="100000"/>
                     </a:srgbClr>
                   </a:solidFill>
-                  <a:latin typeface="Arial"/>
-                  <a:cs typeface="Arial"/>
+                  <a:latin typeface="Times New Roman"/>
+                  <a:cs typeface="Times New Roman"/>
                 </a:rPr>
                 <a:t>100</a:t>
               </a:r>
@@ -5502,8 +5502,8 @@
           </p:nvSpPr>
           <p:spPr>
             <a:xfrm>
-              <a:off x="1148183" y="5389494"/>
-              <a:ext cx="186466" cy="81691"/>
+              <a:off x="1141430" y="5396226"/>
+              <a:ext cx="167640" cy="76835"/>
             </a:xfrm>
             <a:prstGeom prst="rect">
               <a:avLst/>
@@ -5532,8 +5532,8 @@
                       <a:alpha val="100000"/>
                     </a:srgbClr>
                   </a:solidFill>
-                  <a:latin typeface="Arial"/>
-                  <a:cs typeface="Arial"/>
+                  <a:latin typeface="Times New Roman"/>
+                  <a:cs typeface="Times New Roman"/>
                 </a:rPr>
                 <a:t>200</a:t>
               </a:r>
@@ -5548,8 +5548,8 @@
           </p:nvSpPr>
           <p:spPr>
             <a:xfrm>
-              <a:off x="1148183" y="4151984"/>
-              <a:ext cx="186466" cy="81746"/>
+              <a:off x="1141430" y="4152701"/>
+              <a:ext cx="167640" cy="76835"/>
             </a:xfrm>
             <a:prstGeom prst="rect">
               <a:avLst/>
@@ -5578,8 +5578,8 @@
                       <a:alpha val="100000"/>
                     </a:srgbClr>
                   </a:solidFill>
-                  <a:latin typeface="Arial"/>
-                  <a:cs typeface="Arial"/>
+                  <a:latin typeface="Times New Roman"/>
+                  <a:cs typeface="Times New Roman"/>
                 </a:rPr>
                 <a:t>300</a:t>
               </a:r>
@@ -5594,8 +5594,8 @@
           </p:nvSpPr>
           <p:spPr>
             <a:xfrm>
-              <a:off x="1148183" y="2914583"/>
-              <a:ext cx="186466" cy="81691"/>
+              <a:off x="1141430" y="2909176"/>
+              <a:ext cx="167640" cy="76835"/>
             </a:xfrm>
             <a:prstGeom prst="rect">
               <a:avLst/>
@@ -5624,8 +5624,8 @@
                       <a:alpha val="100000"/>
                     </a:srgbClr>
                   </a:solidFill>
-                  <a:latin typeface="Arial"/>
-                  <a:cs typeface="Arial"/>
+                  <a:latin typeface="Times New Roman"/>
+                  <a:cs typeface="Times New Roman"/>
                 </a:rPr>
                 <a:t>400</a:t>
               </a:r>
@@ -5640,8 +5640,8 @@
           </p:nvSpPr>
           <p:spPr>
             <a:xfrm>
-              <a:off x="1148183" y="1677127"/>
-              <a:ext cx="186466" cy="81691"/>
+              <a:off x="1141430" y="1665651"/>
+              <a:ext cx="167640" cy="76835"/>
             </a:xfrm>
             <a:prstGeom prst="rect">
               <a:avLst/>
@@ -5670,8 +5670,8 @@
                       <a:alpha val="100000"/>
                     </a:srgbClr>
                   </a:solidFill>
-                  <a:latin typeface="Arial"/>
-                  <a:cs typeface="Arial"/>
+                  <a:latin typeface="Times New Roman"/>
+                  <a:cs typeface="Times New Roman"/>
                 </a:rPr>
                 <a:t>500</a:t>
               </a:r>
@@ -5686,7 +5686,7 @@
           </p:nvSpPr>
           <p:spPr>
             <a:xfrm>
-              <a:off x="1362485" y="6668641"/>
+              <a:off x="1336905" y="6679587"/>
               <a:ext cx="34794" cy="0"/>
             </a:xfrm>
             <a:custGeom>
@@ -5726,7 +5726,7 @@
           </p:nvSpPr>
           <p:spPr>
             <a:xfrm>
-              <a:off x="1362485" y="5431186"/>
+              <a:off x="1336905" y="5436062"/>
               <a:ext cx="34794" cy="0"/>
             </a:xfrm>
             <a:custGeom>
@@ -5766,7 +5766,7 @@
           </p:nvSpPr>
           <p:spPr>
             <a:xfrm>
-              <a:off x="1362485" y="4193730"/>
+              <a:off x="1336905" y="4192537"/>
               <a:ext cx="34794" cy="0"/>
             </a:xfrm>
             <a:custGeom>
@@ -5806,7 +5806,7 @@
           </p:nvSpPr>
           <p:spPr>
             <a:xfrm>
-              <a:off x="1362485" y="2956274"/>
+              <a:off x="1336905" y="2949012"/>
               <a:ext cx="34794" cy="0"/>
             </a:xfrm>
             <a:custGeom>
@@ -5846,7 +5846,7 @@
           </p:nvSpPr>
           <p:spPr>
             <a:xfrm>
-              <a:off x="1362485" y="1718819"/>
+              <a:off x="1336905" y="1705487"/>
               <a:ext cx="34794" cy="0"/>
             </a:xfrm>
             <a:custGeom>
@@ -5886,7 +5886,7 @@
           </p:nvSpPr>
           <p:spPr>
             <a:xfrm>
-              <a:off x="2025928" y="6915266"/>
+              <a:off x="2002220" y="6927422"/>
               <a:ext cx="0" cy="34794"/>
             </a:xfrm>
             <a:custGeom>
@@ -5926,7 +5926,7 @@
           </p:nvSpPr>
           <p:spPr>
             <a:xfrm>
-              <a:off x="3073676" y="6915266"/>
+              <a:off x="3053087" y="6927422"/>
               <a:ext cx="0" cy="34794"/>
             </a:xfrm>
             <a:custGeom>
@@ -5966,7 +5966,7 @@
           </p:nvSpPr>
           <p:spPr>
             <a:xfrm>
-              <a:off x="4121424" y="6915266"/>
+              <a:off x="4103955" y="6927422"/>
               <a:ext cx="0" cy="34794"/>
             </a:xfrm>
             <a:custGeom>
@@ -6006,7 +6006,7 @@
           </p:nvSpPr>
           <p:spPr>
             <a:xfrm>
-              <a:off x="5169171" y="6915266"/>
+              <a:off x="5154822" y="6927422"/>
               <a:ext cx="0" cy="34794"/>
             </a:xfrm>
             <a:custGeom>
@@ -6046,7 +6046,7 @@
           </p:nvSpPr>
           <p:spPr>
             <a:xfrm>
-              <a:off x="6216919" y="6915266"/>
+              <a:off x="6205689" y="6927422"/>
               <a:ext cx="0" cy="34794"/>
             </a:xfrm>
             <a:custGeom>
@@ -6086,7 +6086,7 @@
           </p:nvSpPr>
           <p:spPr>
             <a:xfrm>
-              <a:off x="7264667" y="6915266"/>
+              <a:off x="7256556" y="6927422"/>
               <a:ext cx="0" cy="34794"/>
             </a:xfrm>
             <a:custGeom>
@@ -6126,7 +6126,7 @@
           </p:nvSpPr>
           <p:spPr>
             <a:xfrm>
-              <a:off x="8312414" y="6915266"/>
+              <a:off x="8307423" y="6927422"/>
               <a:ext cx="0" cy="34794"/>
             </a:xfrm>
             <a:custGeom>
@@ -6166,7 +6166,7 @@
           </p:nvSpPr>
           <p:spPr>
             <a:xfrm>
-              <a:off x="9360162" y="6915266"/>
+              <a:off x="9358290" y="6927422"/>
               <a:ext cx="0" cy="34794"/>
             </a:xfrm>
             <a:custGeom>
@@ -6206,8 +6206,8 @@
           </p:nvSpPr>
           <p:spPr>
             <a:xfrm>
-              <a:off x="1796051" y="6976587"/>
-              <a:ext cx="459754" cy="81309"/>
+              <a:off x="1785003" y="6984922"/>
+              <a:ext cx="434434" cy="79126"/>
             </a:xfrm>
             <a:prstGeom prst="rect">
               <a:avLst/>
@@ -6236,8 +6236,8 @@
                       <a:alpha val="100000"/>
                     </a:srgbClr>
                   </a:solidFill>
-                  <a:latin typeface="Arial"/>
-                  <a:cs typeface="Arial"/>
+                  <a:latin typeface="Times New Roman"/>
+                  <a:cs typeface="Times New Roman"/>
                 </a:rPr>
                 <a:t>Alveolata</a:t>
               </a:r>
@@ -6252,8 +6252,8 @@
           </p:nvSpPr>
           <p:spPr>
             <a:xfrm>
-              <a:off x="2772366" y="6953012"/>
-              <a:ext cx="602619" cy="104884"/>
+              <a:off x="2773715" y="6962330"/>
+              <a:ext cx="558745" cy="101719"/>
             </a:xfrm>
             <a:prstGeom prst="rect">
               <a:avLst/>
@@ -6282,8 +6282,8 @@
                       <a:alpha val="100000"/>
                     </a:srgbClr>
                   </a:solidFill>
-                  <a:latin typeface="Arial"/>
-                  <a:cs typeface="Arial"/>
+                  <a:latin typeface="Times New Roman"/>
+                  <a:cs typeface="Times New Roman"/>
                 </a:rPr>
                 <a:t>Chlorophyta</a:t>
               </a:r>
@@ -6298,8 +6298,8 @@
           </p:nvSpPr>
           <p:spPr>
             <a:xfrm>
-              <a:off x="3919541" y="6976587"/>
-              <a:ext cx="403765" cy="81309"/>
+              <a:off x="3920844" y="6984922"/>
+              <a:ext cx="366221" cy="79126"/>
             </a:xfrm>
             <a:prstGeom prst="rect">
               <a:avLst/>
@@ -6328,8 +6328,8 @@
                       <a:alpha val="100000"/>
                     </a:srgbClr>
                   </a:solidFill>
-                  <a:latin typeface="Arial"/>
-                  <a:cs typeface="Arial"/>
+                  <a:latin typeface="Times New Roman"/>
+                  <a:cs typeface="Times New Roman"/>
                 </a:rPr>
                 <a:t>Discoba</a:t>
               </a:r>
@@ -6344,8 +6344,8 @@
           </p:nvSpPr>
           <p:spPr>
             <a:xfrm>
-              <a:off x="4843005" y="6976587"/>
-              <a:ext cx="652333" cy="81309"/>
+              <a:off x="4863116" y="6984922"/>
+              <a:ext cx="583411" cy="79126"/>
             </a:xfrm>
             <a:prstGeom prst="rect">
               <a:avLst/>
@@ -6374,8 +6374,8 @@
                       <a:alpha val="100000"/>
                     </a:srgbClr>
                   </a:solidFill>
-                  <a:latin typeface="Arial"/>
-                  <a:cs typeface="Arial"/>
+                  <a:latin typeface="Times New Roman"/>
+                  <a:cs typeface="Times New Roman"/>
                 </a:rPr>
                 <a:t>Metamonada</a:t>
               </a:r>
@@ -6390,8 +6390,8 @@
           </p:nvSpPr>
           <p:spPr>
             <a:xfrm>
-              <a:off x="6011953" y="6976587"/>
-              <a:ext cx="409932" cy="81309"/>
+              <a:off x="6016412" y="6985413"/>
+              <a:ext cx="378554" cy="78635"/>
             </a:xfrm>
             <a:prstGeom prst="rect">
               <a:avLst/>
@@ -6420,8 +6420,8 @@
                       <a:alpha val="100000"/>
                     </a:srgbClr>
                   </a:solidFill>
-                  <a:latin typeface="Arial"/>
-                  <a:cs typeface="Arial"/>
+                  <a:latin typeface="Times New Roman"/>
+                  <a:cs typeface="Times New Roman"/>
                 </a:rPr>
                 <a:t>Rhizaria</a:t>
               </a:r>
@@ -6436,8 +6436,8 @@
           </p:nvSpPr>
           <p:spPr>
             <a:xfrm>
-              <a:off x="6963302" y="6954376"/>
-              <a:ext cx="602729" cy="103519"/>
+              <a:off x="6983377" y="6962330"/>
+              <a:ext cx="546357" cy="101719"/>
             </a:xfrm>
             <a:prstGeom prst="rect">
               <a:avLst/>
@@ -6466,8 +6466,8 @@
                       <a:alpha val="100000"/>
                     </a:srgbClr>
                   </a:solidFill>
-                  <a:latin typeface="Arial"/>
-                  <a:cs typeface="Arial"/>
+                  <a:latin typeface="Times New Roman"/>
+                  <a:cs typeface="Times New Roman"/>
                 </a:rPr>
                 <a:t>Rhodophyta</a:t>
               </a:r>
@@ -6482,8 +6482,8 @@
           </p:nvSpPr>
           <p:spPr>
             <a:xfrm>
-              <a:off x="7955224" y="6954322"/>
-              <a:ext cx="714379" cy="103574"/>
+              <a:off x="7987723" y="6962548"/>
+              <a:ext cx="639400" cy="101500"/>
             </a:xfrm>
             <a:prstGeom prst="rect">
               <a:avLst/>
@@ -6512,8 +6512,8 @@
                       <a:alpha val="100000"/>
                     </a:srgbClr>
                   </a:solidFill>
-                  <a:latin typeface="Arial"/>
-                  <a:cs typeface="Arial"/>
+                  <a:latin typeface="Times New Roman"/>
+                  <a:cs typeface="Times New Roman"/>
                 </a:rPr>
                 <a:t>Stramenopiles</a:t>
               </a:r>
@@ -6528,8 +6528,8 @@
           </p:nvSpPr>
           <p:spPr>
             <a:xfrm>
-              <a:off x="9043299" y="6953012"/>
-              <a:ext cx="633725" cy="104884"/>
+              <a:off x="9072724" y="6962330"/>
+              <a:ext cx="571132" cy="101719"/>
             </a:xfrm>
             <a:prstGeom prst="rect">
               <a:avLst/>
@@ -6558,8 +6558,8 @@
                       <a:alpha val="100000"/>
                     </a:srgbClr>
                   </a:solidFill>
-                  <a:latin typeface="Arial"/>
-                  <a:cs typeface="Arial"/>
+                  <a:latin typeface="Times New Roman"/>
+                  <a:cs typeface="Times New Roman"/>
                 </a:rPr>
                 <a:t>Streptophyta</a:t>
               </a:r>
@@ -6574,8 +6574,8 @@
           </p:nvSpPr>
           <p:spPr>
             <a:xfrm>
-              <a:off x="5258188" y="7086743"/>
-              <a:ext cx="869714" cy="129468"/>
+              <a:off x="5294170" y="7090972"/>
+              <a:ext cx="772169" cy="124488"/>
             </a:xfrm>
             <a:prstGeom prst="rect">
               <a:avLst/>
@@ -6604,8 +6604,8 @@
                       <a:alpha val="100000"/>
                     </a:srgbClr>
                   </a:solidFill>
-                  <a:latin typeface="Arial"/>
-                  <a:cs typeface="Arial"/>
+                  <a:latin typeface="Times New Roman"/>
+                  <a:cs typeface="Times New Roman"/>
                 </a:rPr>
                 <a:t>Super Groups</a:t>
               </a:r>
@@ -6620,8 +6620,8 @@
           </p:nvSpPr>
           <p:spPr>
             <a:xfrm rot="-5400000">
-              <a:off x="403360" y="4109851"/>
-              <a:ext cx="1257845" cy="103410"/>
+              <a:off x="448824" y="4110649"/>
+              <a:ext cx="1156208" cy="99113"/>
             </a:xfrm>
             <a:prstGeom prst="rect">
               <a:avLst/>
@@ -6650,8 +6650,8 @@
                       <a:alpha val="100000"/>
                     </a:srgbClr>
                   </a:solidFill>
-                  <a:latin typeface="Arial"/>
-                  <a:cs typeface="Arial"/>
+                  <a:latin typeface="Times New Roman"/>
+                  <a:cs typeface="Times New Roman"/>
                 </a:rPr>
                 <a:t>LST8 Domain Score</a:t>
               </a:r>
@@ -6666,8 +6666,8 @@
           </p:nvSpPr>
           <p:spPr>
             <a:xfrm>
-              <a:off x="1397280" y="1177752"/>
-              <a:ext cx="1723876" cy="131105"/>
+              <a:off x="1371700" y="1166102"/>
+              <a:ext cx="1563644" cy="127148"/>
             </a:xfrm>
             <a:prstGeom prst="rect">
               <a:avLst/>
@@ -6696,8 +6696,8 @@
                       <a:alpha val="100000"/>
                     </a:srgbClr>
                   </a:solidFill>
-                  <a:latin typeface="Arial"/>
-                  <a:cs typeface="Arial"/>
+                  <a:latin typeface="Times New Roman"/>
+                  <a:cs typeface="Times New Roman"/>
                 </a:rPr>
                 <a:t>By Associated Super Group</a:t>
               </a:r>
@@ -6712,8 +6712,8 @@
           </p:nvSpPr>
           <p:spPr>
             <a:xfrm>
-              <a:off x="1397280" y="979896"/>
-              <a:ext cx="1509414" cy="124092"/>
+              <a:off x="1371700" y="976049"/>
+              <a:ext cx="1387450" cy="118935"/>
             </a:xfrm>
             <a:prstGeom prst="rect">
               <a:avLst/>
@@ -6742,8 +6742,8 @@
                       <a:alpha val="100000"/>
                     </a:srgbClr>
                   </a:solidFill>
-                  <a:latin typeface="Arial"/>
-                  <a:cs typeface="Arial"/>
+                  <a:latin typeface="Times New Roman"/>
+                  <a:cs typeface="Times New Roman"/>
                 </a:rPr>
                 <a:t>LST8 Domain Score</a:t>
               </a:r>

--- a/Images/Figures_PPT/Box_Plot_LST8_Domain.pptx
+++ b/Images/Figures_PPT/Box_Plot_LST8_Domain.pptx
@@ -6574,8 +6574,8 @@
           </p:nvSpPr>
           <p:spPr>
             <a:xfrm>
-              <a:off x="5294170" y="7090972"/>
-              <a:ext cx="772169" cy="124488"/>
+              <a:off x="5517329" y="7116347"/>
+              <a:ext cx="325852" cy="99113"/>
             </a:xfrm>
             <a:prstGeom prst="rect">
               <a:avLst/>
@@ -6607,7 +6607,7 @@
                   <a:latin typeface="Times New Roman"/>
                   <a:cs typeface="Times New Roman"/>
                 </a:rPr>
-                <a:t>Super Groups</a:t>
+                <a:t>Clade</a:t>
               </a:r>
             </a:p>
           </p:txBody>
@@ -6667,7 +6667,7 @@
           <p:spPr>
             <a:xfrm>
               <a:off x="1371700" y="1166102"/>
-              <a:ext cx="1563644" cy="127148"/>
+              <a:ext cx="1171692" cy="127148"/>
             </a:xfrm>
             <a:prstGeom prst="rect">
               <a:avLst/>
@@ -6699,7 +6699,7 @@
                   <a:latin typeface="Times New Roman"/>
                   <a:cs typeface="Times New Roman"/>
                 </a:rPr>
-                <a:t>By Associated Super Group</a:t>
+                <a:t>By Associated Clade</a:t>
               </a:r>
             </a:p>
           </p:txBody>

--- a/Images/Figures_PPT/Box_Plot_LST8_Domain.pptx
+++ b/Images/Figures_PPT/Box_Plot_LST8_Domain.pptx
@@ -2298,8 +2298,8 @@
           </p:nvSpPr>
           <p:spPr>
             <a:xfrm>
-              <a:off x="10058399" y="914400"/>
-              <a:ext cx="0" cy="6400800"/>
+              <a:off x="914400" y="914400"/>
+              <a:ext cx="9144000" cy="6400800"/>
             </a:xfrm>
             <a:prstGeom prst="rect">
               <a:avLst/>
@@ -2333,8 +2333,8 @@
           </p:nvSpPr>
           <p:spPr>
             <a:xfrm>
-              <a:off x="1371700" y="1392990"/>
-              <a:ext cx="8617110" cy="5534432"/>
+              <a:off x="1609207" y="1613754"/>
+              <a:ext cx="8379603" cy="5133042"/>
             </a:xfrm>
             <a:prstGeom prst="rect">
               <a:avLst/>
@@ -2359,21 +2359,21 @@
           </p:nvSpPr>
           <p:spPr>
             <a:xfrm>
-              <a:off x="1371700" y="6057825"/>
-              <a:ext cx="8617110" cy="0"/>
-            </a:xfrm>
-            <a:custGeom>
-              <a:avLst/>
-              <a:pathLst>
-                <a:path w="8617110" h="0">
-                  <a:moveTo>
-                    <a:pt x="0" y="0"/>
-                  </a:moveTo>
-                  <a:lnTo>
-                    <a:pt x="8617110" y="0"/>
-                  </a:lnTo>
-                  <a:lnTo>
-                    <a:pt x="8617110" y="0"/>
+              <a:off x="1609207" y="5940268"/>
+              <a:ext cx="8379603" cy="0"/>
+            </a:xfrm>
+            <a:custGeom>
+              <a:avLst/>
+              <a:pathLst>
+                <a:path w="8379603" h="0">
+                  <a:moveTo>
+                    <a:pt x="0" y="0"/>
+                  </a:moveTo>
+                  <a:lnTo>
+                    <a:pt x="8379603" y="0"/>
+                  </a:lnTo>
+                  <a:lnTo>
+                    <a:pt x="8379603" y="0"/>
                   </a:lnTo>
                 </a:path>
               </a:pathLst>
@@ -2402,21 +2402,21 @@
           </p:nvSpPr>
           <p:spPr>
             <a:xfrm>
-              <a:off x="1371700" y="4814300"/>
-              <a:ext cx="8617110" cy="0"/>
-            </a:xfrm>
-            <a:custGeom>
-              <a:avLst/>
-              <a:pathLst>
-                <a:path w="8617110" h="0">
-                  <a:moveTo>
-                    <a:pt x="0" y="0"/>
-                  </a:moveTo>
-                  <a:lnTo>
-                    <a:pt x="8617110" y="0"/>
-                  </a:lnTo>
-                  <a:lnTo>
-                    <a:pt x="8617110" y="0"/>
+              <a:off x="1609207" y="4786930"/>
+              <a:ext cx="8379603" cy="0"/>
+            </a:xfrm>
+            <a:custGeom>
+              <a:avLst/>
+              <a:pathLst>
+                <a:path w="8379603" h="0">
+                  <a:moveTo>
+                    <a:pt x="0" y="0"/>
+                  </a:moveTo>
+                  <a:lnTo>
+                    <a:pt x="8379603" y="0"/>
+                  </a:lnTo>
+                  <a:lnTo>
+                    <a:pt x="8379603" y="0"/>
                   </a:lnTo>
                 </a:path>
               </a:pathLst>
@@ -2445,21 +2445,21 @@
           </p:nvSpPr>
           <p:spPr>
             <a:xfrm>
-              <a:off x="1371700" y="3570775"/>
-              <a:ext cx="8617110" cy="0"/>
-            </a:xfrm>
-            <a:custGeom>
-              <a:avLst/>
-              <a:pathLst>
-                <a:path w="8617110" h="0">
-                  <a:moveTo>
-                    <a:pt x="0" y="0"/>
-                  </a:moveTo>
-                  <a:lnTo>
-                    <a:pt x="8617110" y="0"/>
-                  </a:lnTo>
-                  <a:lnTo>
-                    <a:pt x="8617110" y="0"/>
+              <a:off x="1609207" y="3633593"/>
+              <a:ext cx="8379603" cy="0"/>
+            </a:xfrm>
+            <a:custGeom>
+              <a:avLst/>
+              <a:pathLst>
+                <a:path w="8379603" h="0">
+                  <a:moveTo>
+                    <a:pt x="0" y="0"/>
+                  </a:moveTo>
+                  <a:lnTo>
+                    <a:pt x="8379603" y="0"/>
+                  </a:lnTo>
+                  <a:lnTo>
+                    <a:pt x="8379603" y="0"/>
                   </a:lnTo>
                 </a:path>
               </a:pathLst>
@@ -2488,21 +2488,21 @@
           </p:nvSpPr>
           <p:spPr>
             <a:xfrm>
-              <a:off x="1371700" y="2327250"/>
-              <a:ext cx="8617110" cy="0"/>
-            </a:xfrm>
-            <a:custGeom>
-              <a:avLst/>
-              <a:pathLst>
-                <a:path w="8617110" h="0">
-                  <a:moveTo>
-                    <a:pt x="0" y="0"/>
-                  </a:moveTo>
-                  <a:lnTo>
-                    <a:pt x="8617110" y="0"/>
-                  </a:lnTo>
-                  <a:lnTo>
-                    <a:pt x="8617110" y="0"/>
+              <a:off x="1609207" y="2480256"/>
+              <a:ext cx="8379603" cy="0"/>
+            </a:xfrm>
+            <a:custGeom>
+              <a:avLst/>
+              <a:pathLst>
+                <a:path w="8379603" h="0">
+                  <a:moveTo>
+                    <a:pt x="0" y="0"/>
+                  </a:moveTo>
+                  <a:lnTo>
+                    <a:pt x="8379603" y="0"/>
+                  </a:lnTo>
+                  <a:lnTo>
+                    <a:pt x="8379603" y="0"/>
                   </a:lnTo>
                 </a:path>
               </a:pathLst>
@@ -2531,21 +2531,21 @@
           </p:nvSpPr>
           <p:spPr>
             <a:xfrm>
-              <a:off x="1371700" y="6679587"/>
-              <a:ext cx="8617110" cy="0"/>
-            </a:xfrm>
-            <a:custGeom>
-              <a:avLst/>
-              <a:pathLst>
-                <a:path w="8617110" h="0">
-                  <a:moveTo>
-                    <a:pt x="0" y="0"/>
-                  </a:moveTo>
-                  <a:lnTo>
-                    <a:pt x="8617110" y="0"/>
-                  </a:lnTo>
-                  <a:lnTo>
-                    <a:pt x="8617110" y="0"/>
+              <a:off x="1609207" y="6516936"/>
+              <a:ext cx="8379603" cy="0"/>
+            </a:xfrm>
+            <a:custGeom>
+              <a:avLst/>
+              <a:pathLst>
+                <a:path w="8379603" h="0">
+                  <a:moveTo>
+                    <a:pt x="0" y="0"/>
+                  </a:moveTo>
+                  <a:lnTo>
+                    <a:pt x="8379603" y="0"/>
+                  </a:lnTo>
+                  <a:lnTo>
+                    <a:pt x="8379603" y="0"/>
                   </a:lnTo>
                 </a:path>
               </a:pathLst>
@@ -2574,21 +2574,21 @@
           </p:nvSpPr>
           <p:spPr>
             <a:xfrm>
-              <a:off x="1371700" y="5436062"/>
-              <a:ext cx="8617110" cy="0"/>
-            </a:xfrm>
-            <a:custGeom>
-              <a:avLst/>
-              <a:pathLst>
-                <a:path w="8617110" h="0">
-                  <a:moveTo>
-                    <a:pt x="0" y="0"/>
-                  </a:moveTo>
-                  <a:lnTo>
-                    <a:pt x="8617110" y="0"/>
-                  </a:lnTo>
-                  <a:lnTo>
-                    <a:pt x="8617110" y="0"/>
+              <a:off x="1609207" y="5363599"/>
+              <a:ext cx="8379603" cy="0"/>
+            </a:xfrm>
+            <a:custGeom>
+              <a:avLst/>
+              <a:pathLst>
+                <a:path w="8379603" h="0">
+                  <a:moveTo>
+                    <a:pt x="0" y="0"/>
+                  </a:moveTo>
+                  <a:lnTo>
+                    <a:pt x="8379603" y="0"/>
+                  </a:lnTo>
+                  <a:lnTo>
+                    <a:pt x="8379603" y="0"/>
                   </a:lnTo>
                 </a:path>
               </a:pathLst>
@@ -2617,21 +2617,21 @@
           </p:nvSpPr>
           <p:spPr>
             <a:xfrm>
-              <a:off x="1371700" y="4192537"/>
-              <a:ext cx="8617110" cy="0"/>
-            </a:xfrm>
-            <a:custGeom>
-              <a:avLst/>
-              <a:pathLst>
-                <a:path w="8617110" h="0">
-                  <a:moveTo>
-                    <a:pt x="0" y="0"/>
-                  </a:moveTo>
-                  <a:lnTo>
-                    <a:pt x="8617110" y="0"/>
-                  </a:lnTo>
-                  <a:lnTo>
-                    <a:pt x="8617110" y="0"/>
+              <a:off x="1609207" y="4210262"/>
+              <a:ext cx="8379603" cy="0"/>
+            </a:xfrm>
+            <a:custGeom>
+              <a:avLst/>
+              <a:pathLst>
+                <a:path w="8379603" h="0">
+                  <a:moveTo>
+                    <a:pt x="0" y="0"/>
+                  </a:moveTo>
+                  <a:lnTo>
+                    <a:pt x="8379603" y="0"/>
+                  </a:lnTo>
+                  <a:lnTo>
+                    <a:pt x="8379603" y="0"/>
                   </a:lnTo>
                 </a:path>
               </a:pathLst>
@@ -2660,21 +2660,21 @@
           </p:nvSpPr>
           <p:spPr>
             <a:xfrm>
-              <a:off x="1371700" y="2949012"/>
-              <a:ext cx="8617110" cy="0"/>
-            </a:xfrm>
-            <a:custGeom>
-              <a:avLst/>
-              <a:pathLst>
-                <a:path w="8617110" h="0">
-                  <a:moveTo>
-                    <a:pt x="0" y="0"/>
-                  </a:moveTo>
-                  <a:lnTo>
-                    <a:pt x="8617110" y="0"/>
-                  </a:lnTo>
-                  <a:lnTo>
-                    <a:pt x="8617110" y="0"/>
+              <a:off x="1609207" y="3056925"/>
+              <a:ext cx="8379603" cy="0"/>
+            </a:xfrm>
+            <a:custGeom>
+              <a:avLst/>
+              <a:pathLst>
+                <a:path w="8379603" h="0">
+                  <a:moveTo>
+                    <a:pt x="0" y="0"/>
+                  </a:moveTo>
+                  <a:lnTo>
+                    <a:pt x="8379603" y="0"/>
+                  </a:lnTo>
+                  <a:lnTo>
+                    <a:pt x="8379603" y="0"/>
                   </a:lnTo>
                 </a:path>
               </a:pathLst>
@@ -2703,21 +2703,21 @@
           </p:nvSpPr>
           <p:spPr>
             <a:xfrm>
-              <a:off x="1371700" y="1705487"/>
-              <a:ext cx="8617110" cy="0"/>
-            </a:xfrm>
-            <a:custGeom>
-              <a:avLst/>
-              <a:pathLst>
-                <a:path w="8617110" h="0">
-                  <a:moveTo>
-                    <a:pt x="0" y="0"/>
-                  </a:moveTo>
-                  <a:lnTo>
-                    <a:pt x="8617110" y="0"/>
-                  </a:lnTo>
-                  <a:lnTo>
-                    <a:pt x="8617110" y="0"/>
+              <a:off x="1609207" y="1903587"/>
+              <a:ext cx="8379603" cy="0"/>
+            </a:xfrm>
+            <a:custGeom>
+              <a:avLst/>
+              <a:pathLst>
+                <a:path w="8379603" h="0">
+                  <a:moveTo>
+                    <a:pt x="0" y="0"/>
+                  </a:moveTo>
+                  <a:lnTo>
+                    <a:pt x="8379603" y="0"/>
+                  </a:lnTo>
+                  <a:lnTo>
+                    <a:pt x="8379603" y="0"/>
                   </a:lnTo>
                 </a:path>
               </a:pathLst>
@@ -2746,15 +2746,15 @@
           </p:nvSpPr>
           <p:spPr>
             <a:xfrm>
-              <a:off x="2002220" y="1392990"/>
-              <a:ext cx="0" cy="5534432"/>
-            </a:xfrm>
-            <a:custGeom>
-              <a:avLst/>
-              <a:pathLst>
-                <a:path w="0" h="5534432">
-                  <a:moveTo>
-                    <a:pt x="0" y="5534432"/>
+              <a:off x="2222349" y="1613754"/>
+              <a:ext cx="0" cy="5133042"/>
+            </a:xfrm>
+            <a:custGeom>
+              <a:avLst/>
+              <a:pathLst>
+                <a:path w="0" h="5133042">
+                  <a:moveTo>
+                    <a:pt x="0" y="5133042"/>
                   </a:moveTo>
                   <a:lnTo>
                     <a:pt x="0" y="0"/>
@@ -2789,15 +2789,15 @@
           </p:nvSpPr>
           <p:spPr>
             <a:xfrm>
-              <a:off x="3053087" y="1392990"/>
-              <a:ext cx="0" cy="5534432"/>
-            </a:xfrm>
-            <a:custGeom>
-              <a:avLst/>
-              <a:pathLst>
-                <a:path w="0" h="5534432">
-                  <a:moveTo>
-                    <a:pt x="0" y="5534432"/>
+              <a:off x="3244252" y="1613754"/>
+              <a:ext cx="0" cy="5133042"/>
+            </a:xfrm>
+            <a:custGeom>
+              <a:avLst/>
+              <a:pathLst>
+                <a:path w="0" h="5133042">
+                  <a:moveTo>
+                    <a:pt x="0" y="5133042"/>
                   </a:moveTo>
                   <a:lnTo>
                     <a:pt x="0" y="0"/>
@@ -2832,15 +2832,15 @@
           </p:nvSpPr>
           <p:spPr>
             <a:xfrm>
-              <a:off x="4103955" y="1392990"/>
-              <a:ext cx="0" cy="5534432"/>
-            </a:xfrm>
-            <a:custGeom>
-              <a:avLst/>
-              <a:pathLst>
-                <a:path w="0" h="5534432">
-                  <a:moveTo>
-                    <a:pt x="0" y="5534432"/>
+              <a:off x="4266155" y="1613754"/>
+              <a:ext cx="0" cy="5133042"/>
+            </a:xfrm>
+            <a:custGeom>
+              <a:avLst/>
+              <a:pathLst>
+                <a:path w="0" h="5133042">
+                  <a:moveTo>
+                    <a:pt x="0" y="5133042"/>
                   </a:moveTo>
                   <a:lnTo>
                     <a:pt x="0" y="0"/>
@@ -2875,15 +2875,15 @@
           </p:nvSpPr>
           <p:spPr>
             <a:xfrm>
-              <a:off x="5154822" y="1392990"/>
-              <a:ext cx="0" cy="5534432"/>
-            </a:xfrm>
-            <a:custGeom>
-              <a:avLst/>
-              <a:pathLst>
-                <a:path w="0" h="5534432">
-                  <a:moveTo>
-                    <a:pt x="0" y="5534432"/>
+              <a:off x="5288057" y="1613754"/>
+              <a:ext cx="0" cy="5133042"/>
+            </a:xfrm>
+            <a:custGeom>
+              <a:avLst/>
+              <a:pathLst>
+                <a:path w="0" h="5133042">
+                  <a:moveTo>
+                    <a:pt x="0" y="5133042"/>
                   </a:moveTo>
                   <a:lnTo>
                     <a:pt x="0" y="0"/>
@@ -2918,15 +2918,15 @@
           </p:nvSpPr>
           <p:spPr>
             <a:xfrm>
-              <a:off x="6205689" y="1392990"/>
-              <a:ext cx="0" cy="5534432"/>
-            </a:xfrm>
-            <a:custGeom>
-              <a:avLst/>
-              <a:pathLst>
-                <a:path w="0" h="5534432">
-                  <a:moveTo>
-                    <a:pt x="0" y="5534432"/>
+              <a:off x="6309960" y="1613754"/>
+              <a:ext cx="0" cy="5133042"/>
+            </a:xfrm>
+            <a:custGeom>
+              <a:avLst/>
+              <a:pathLst>
+                <a:path w="0" h="5133042">
+                  <a:moveTo>
+                    <a:pt x="0" y="5133042"/>
                   </a:moveTo>
                   <a:lnTo>
                     <a:pt x="0" y="0"/>
@@ -2961,15 +2961,15 @@
           </p:nvSpPr>
           <p:spPr>
             <a:xfrm>
-              <a:off x="7256556" y="1392990"/>
-              <a:ext cx="0" cy="5534432"/>
-            </a:xfrm>
-            <a:custGeom>
-              <a:avLst/>
-              <a:pathLst>
-                <a:path w="0" h="5534432">
-                  <a:moveTo>
-                    <a:pt x="0" y="5534432"/>
+              <a:off x="7331863" y="1613754"/>
+              <a:ext cx="0" cy="5133042"/>
+            </a:xfrm>
+            <a:custGeom>
+              <a:avLst/>
+              <a:pathLst>
+                <a:path w="0" h="5133042">
+                  <a:moveTo>
+                    <a:pt x="0" y="5133042"/>
                   </a:moveTo>
                   <a:lnTo>
                     <a:pt x="0" y="0"/>
@@ -3004,15 +3004,15 @@
           </p:nvSpPr>
           <p:spPr>
             <a:xfrm>
-              <a:off x="8307423" y="1392990"/>
-              <a:ext cx="0" cy="5534432"/>
-            </a:xfrm>
-            <a:custGeom>
-              <a:avLst/>
-              <a:pathLst>
-                <a:path w="0" h="5534432">
-                  <a:moveTo>
-                    <a:pt x="0" y="5534432"/>
+              <a:off x="8353766" y="1613754"/>
+              <a:ext cx="0" cy="5133042"/>
+            </a:xfrm>
+            <a:custGeom>
+              <a:avLst/>
+              <a:pathLst>
+                <a:path w="0" h="5133042">
+                  <a:moveTo>
+                    <a:pt x="0" y="5133042"/>
                   </a:moveTo>
                   <a:lnTo>
                     <a:pt x="0" y="0"/>
@@ -3047,15 +3047,15 @@
           </p:nvSpPr>
           <p:spPr>
             <a:xfrm>
-              <a:off x="9358290" y="1392990"/>
-              <a:ext cx="0" cy="5534432"/>
-            </a:xfrm>
-            <a:custGeom>
-              <a:avLst/>
-              <a:pathLst>
-                <a:path w="0" h="5534432">
-                  <a:moveTo>
-                    <a:pt x="0" y="5534432"/>
+              <a:off x="9375669" y="1613754"/>
+              <a:ext cx="0" cy="5133042"/>
+            </a:xfrm>
+            <a:custGeom>
+              <a:avLst/>
+              <a:pathLst>
+                <a:path w="0" h="5133042">
+                  <a:moveTo>
+                    <a:pt x="0" y="5133042"/>
                   </a:moveTo>
                   <a:lnTo>
                     <a:pt x="0" y="0"/>
@@ -3090,18 +3090,18 @@
           </p:nvSpPr>
           <p:spPr>
             <a:xfrm>
-              <a:off x="1739503" y="3288495"/>
-              <a:ext cx="525433" cy="0"/>
-            </a:xfrm>
-            <a:custGeom>
-              <a:avLst/>
-              <a:pathLst>
-                <a:path w="525433" h="0">
-                  <a:moveTo>
-                    <a:pt x="0" y="0"/>
-                  </a:moveTo>
-                  <a:lnTo>
-                    <a:pt x="525433" y="0"/>
+              <a:off x="1966873" y="3371786"/>
+              <a:ext cx="510951" cy="0"/>
+            </a:xfrm>
+            <a:custGeom>
+              <a:avLst/>
+              <a:pathLst>
+                <a:path w="510951" h="0">
+                  <a:moveTo>
+                    <a:pt x="0" y="0"/>
+                  </a:moveTo>
+                  <a:lnTo>
+                    <a:pt x="510951" y="0"/>
                   </a:lnTo>
                 </a:path>
               </a:pathLst>
@@ -3130,18 +3130,18 @@
           </p:nvSpPr>
           <p:spPr>
             <a:xfrm>
-              <a:off x="2002220" y="3288495"/>
-              <a:ext cx="0" cy="3316480"/>
-            </a:xfrm>
-            <a:custGeom>
-              <a:avLst/>
-              <a:pathLst>
-                <a:path w="0" h="3316480">
-                  <a:moveTo>
-                    <a:pt x="0" y="0"/>
-                  </a:moveTo>
-                  <a:lnTo>
-                    <a:pt x="0" y="3316480"/>
+              <a:off x="2222349" y="3371786"/>
+              <a:ext cx="0" cy="3075950"/>
+            </a:xfrm>
+            <a:custGeom>
+              <a:avLst/>
+              <a:pathLst>
+                <a:path w="0" h="3075950">
+                  <a:moveTo>
+                    <a:pt x="0" y="0"/>
+                  </a:moveTo>
+                  <a:lnTo>
+                    <a:pt x="0" y="3075950"/>
                   </a:lnTo>
                 </a:path>
               </a:pathLst>
@@ -3170,18 +3170,18 @@
           </p:nvSpPr>
           <p:spPr>
             <a:xfrm>
-              <a:off x="1739503" y="6604976"/>
-              <a:ext cx="525433" cy="0"/>
-            </a:xfrm>
-            <a:custGeom>
-              <a:avLst/>
-              <a:pathLst>
-                <a:path w="525433" h="0">
-                  <a:moveTo>
-                    <a:pt x="0" y="0"/>
-                  </a:moveTo>
-                  <a:lnTo>
-                    <a:pt x="525433" y="0"/>
+              <a:off x="1966873" y="6447736"/>
+              <a:ext cx="510951" cy="0"/>
+            </a:xfrm>
+            <a:custGeom>
+              <a:avLst/>
+              <a:pathLst>
+                <a:path w="510951" h="0">
+                  <a:moveTo>
+                    <a:pt x="0" y="0"/>
+                  </a:moveTo>
+                  <a:lnTo>
+                    <a:pt x="510951" y="0"/>
                   </a:lnTo>
                 </a:path>
               </a:pathLst>
@@ -3210,18 +3210,18 @@
           </p:nvSpPr>
           <p:spPr>
             <a:xfrm>
-              <a:off x="2790371" y="2033778"/>
-              <a:ext cx="525433" cy="0"/>
-            </a:xfrm>
-            <a:custGeom>
-              <a:avLst/>
-              <a:pathLst>
-                <a:path w="525433" h="0">
-                  <a:moveTo>
-                    <a:pt x="0" y="0"/>
-                  </a:moveTo>
-                  <a:lnTo>
-                    <a:pt x="525433" y="0"/>
+              <a:off x="2988776" y="2208068"/>
+              <a:ext cx="510951" cy="0"/>
+            </a:xfrm>
+            <a:custGeom>
+              <a:avLst/>
+              <a:pathLst>
+                <a:path w="510951" h="0">
+                  <a:moveTo>
+                    <a:pt x="0" y="0"/>
+                  </a:moveTo>
+                  <a:lnTo>
+                    <a:pt x="510951" y="0"/>
                   </a:lnTo>
                 </a:path>
               </a:pathLst>
@@ -3250,18 +3250,18 @@
           </p:nvSpPr>
           <p:spPr>
             <a:xfrm>
-              <a:off x="3053087" y="2033778"/>
-              <a:ext cx="0" cy="958757"/>
-            </a:xfrm>
-            <a:custGeom>
-              <a:avLst/>
-              <a:pathLst>
-                <a:path w="0" h="958757">
-                  <a:moveTo>
-                    <a:pt x="0" y="0"/>
-                  </a:moveTo>
-                  <a:lnTo>
-                    <a:pt x="0" y="958757"/>
+              <a:off x="3244252" y="2208068"/>
+              <a:ext cx="0" cy="889222"/>
+            </a:xfrm>
+            <a:custGeom>
+              <a:avLst/>
+              <a:pathLst>
+                <a:path w="0" h="889222">
+                  <a:moveTo>
+                    <a:pt x="0" y="0"/>
+                  </a:moveTo>
+                  <a:lnTo>
+                    <a:pt x="0" y="889222"/>
                   </a:lnTo>
                 </a:path>
               </a:pathLst>
@@ -3290,18 +3290,18 @@
           </p:nvSpPr>
           <p:spPr>
             <a:xfrm>
-              <a:off x="2790371" y="2992536"/>
-              <a:ext cx="525433" cy="0"/>
-            </a:xfrm>
-            <a:custGeom>
-              <a:avLst/>
-              <a:pathLst>
-                <a:path w="525433" h="0">
-                  <a:moveTo>
-                    <a:pt x="0" y="0"/>
-                  </a:moveTo>
-                  <a:lnTo>
-                    <a:pt x="525433" y="0"/>
+              <a:off x="2988776" y="3097291"/>
+              <a:ext cx="510951" cy="0"/>
+            </a:xfrm>
+            <a:custGeom>
+              <a:avLst/>
+              <a:pathLst>
+                <a:path w="510951" h="0">
+                  <a:moveTo>
+                    <a:pt x="0" y="0"/>
+                  </a:moveTo>
+                  <a:lnTo>
+                    <a:pt x="510951" y="0"/>
                   </a:lnTo>
                 </a:path>
               </a:pathLst>
@@ -3330,18 +3330,18 @@
           </p:nvSpPr>
           <p:spPr>
             <a:xfrm>
-              <a:off x="3841238" y="3800827"/>
-              <a:ext cx="525433" cy="0"/>
-            </a:xfrm>
-            <a:custGeom>
-              <a:avLst/>
-              <a:pathLst>
-                <a:path w="525433" h="0">
-                  <a:moveTo>
-                    <a:pt x="0" y="0"/>
-                  </a:moveTo>
-                  <a:lnTo>
-                    <a:pt x="525433" y="0"/>
+              <a:off x="4010679" y="3846961"/>
+              <a:ext cx="510951" cy="0"/>
+            </a:xfrm>
+            <a:custGeom>
+              <a:avLst/>
+              <a:pathLst>
+                <a:path w="510951" h="0">
+                  <a:moveTo>
+                    <a:pt x="0" y="0"/>
+                  </a:moveTo>
+                  <a:lnTo>
+                    <a:pt x="510951" y="0"/>
                   </a:lnTo>
                 </a:path>
               </a:pathLst>
@@ -3370,18 +3370,18 @@
           </p:nvSpPr>
           <p:spPr>
             <a:xfrm>
-              <a:off x="4103955" y="3800827"/>
-              <a:ext cx="0" cy="859275"/>
-            </a:xfrm>
-            <a:custGeom>
-              <a:avLst/>
-              <a:pathLst>
-                <a:path w="0" h="859275">
-                  <a:moveTo>
-                    <a:pt x="0" y="0"/>
-                  </a:moveTo>
-                  <a:lnTo>
-                    <a:pt x="0" y="859275"/>
+              <a:off x="4266155" y="3846961"/>
+              <a:ext cx="0" cy="796956"/>
+            </a:xfrm>
+            <a:custGeom>
+              <a:avLst/>
+              <a:pathLst>
+                <a:path w="0" h="796956">
+                  <a:moveTo>
+                    <a:pt x="0" y="0"/>
+                  </a:moveTo>
+                  <a:lnTo>
+                    <a:pt x="0" y="796956"/>
                   </a:lnTo>
                 </a:path>
               </a:pathLst>
@@ -3410,18 +3410,18 @@
           </p:nvSpPr>
           <p:spPr>
             <a:xfrm>
-              <a:off x="3841238" y="4660103"/>
-              <a:ext cx="525433" cy="0"/>
-            </a:xfrm>
-            <a:custGeom>
-              <a:avLst/>
-              <a:pathLst>
-                <a:path w="525433" h="0">
-                  <a:moveTo>
-                    <a:pt x="0" y="0"/>
-                  </a:moveTo>
-                  <a:lnTo>
-                    <a:pt x="525433" y="0"/>
+              <a:off x="4010679" y="4643917"/>
+              <a:ext cx="510951" cy="0"/>
+            </a:xfrm>
+            <a:custGeom>
+              <a:avLst/>
+              <a:pathLst>
+                <a:path w="510951" h="0">
+                  <a:moveTo>
+                    <a:pt x="0" y="0"/>
+                  </a:moveTo>
+                  <a:lnTo>
+                    <a:pt x="510951" y="0"/>
                   </a:lnTo>
                 </a:path>
               </a:pathLst>
@@ -3450,18 +3450,18 @@
           </p:nvSpPr>
           <p:spPr>
             <a:xfrm>
-              <a:off x="4892105" y="4989637"/>
-              <a:ext cx="525433" cy="0"/>
-            </a:xfrm>
-            <a:custGeom>
-              <a:avLst/>
-              <a:pathLst>
-                <a:path w="525433" h="0">
-                  <a:moveTo>
-                    <a:pt x="0" y="0"/>
-                  </a:moveTo>
-                  <a:lnTo>
-                    <a:pt x="525433" y="0"/>
+              <a:off x="5032582" y="4949551"/>
+              <a:ext cx="510951" cy="0"/>
+            </a:xfrm>
+            <a:custGeom>
+              <a:avLst/>
+              <a:pathLst>
+                <a:path w="510951" h="0">
+                  <a:moveTo>
+                    <a:pt x="0" y="0"/>
+                  </a:moveTo>
+                  <a:lnTo>
+                    <a:pt x="510951" y="0"/>
                   </a:lnTo>
                 </a:path>
               </a:pathLst>
@@ -3490,18 +3490,18 @@
           </p:nvSpPr>
           <p:spPr>
             <a:xfrm>
-              <a:off x="5154822" y="4989637"/>
-              <a:ext cx="0" cy="1561867"/>
-            </a:xfrm>
-            <a:custGeom>
-              <a:avLst/>
-              <a:pathLst>
-                <a:path w="0" h="1561867">
-                  <a:moveTo>
-                    <a:pt x="0" y="0"/>
-                  </a:moveTo>
-                  <a:lnTo>
-                    <a:pt x="0" y="1561867"/>
+              <a:off x="5288057" y="4949551"/>
+              <a:ext cx="0" cy="1448591"/>
+            </a:xfrm>
+            <a:custGeom>
+              <a:avLst/>
+              <a:pathLst>
+                <a:path w="0" h="1448591">
+                  <a:moveTo>
+                    <a:pt x="0" y="0"/>
+                  </a:moveTo>
+                  <a:lnTo>
+                    <a:pt x="0" y="1448591"/>
                   </a:lnTo>
                 </a:path>
               </a:pathLst>
@@ -3530,18 +3530,18 @@
           </p:nvSpPr>
           <p:spPr>
             <a:xfrm>
-              <a:off x="4892105" y="6551504"/>
-              <a:ext cx="525433" cy="0"/>
-            </a:xfrm>
-            <a:custGeom>
-              <a:avLst/>
-              <a:pathLst>
-                <a:path w="525433" h="0">
-                  <a:moveTo>
-                    <a:pt x="0" y="0"/>
-                  </a:moveTo>
-                  <a:lnTo>
-                    <a:pt x="525433" y="0"/>
+              <a:off x="5032582" y="6398143"/>
+              <a:ext cx="510951" cy="0"/>
+            </a:xfrm>
+            <a:custGeom>
+              <a:avLst/>
+              <a:pathLst>
+                <a:path w="510951" h="0">
+                  <a:moveTo>
+                    <a:pt x="0" y="0"/>
+                  </a:moveTo>
+                  <a:lnTo>
+                    <a:pt x="510951" y="0"/>
                   </a:lnTo>
                 </a:path>
               </a:pathLst>
@@ -3570,18 +3570,18 @@
           </p:nvSpPr>
           <p:spPr>
             <a:xfrm>
-              <a:off x="5942972" y="2655540"/>
-              <a:ext cx="525433" cy="0"/>
-            </a:xfrm>
-            <a:custGeom>
-              <a:avLst/>
-              <a:pathLst>
-                <a:path w="525433" h="0">
-                  <a:moveTo>
-                    <a:pt x="0" y="0"/>
-                  </a:moveTo>
-                  <a:lnTo>
-                    <a:pt x="525433" y="0"/>
+              <a:off x="6054485" y="2784737"/>
+              <a:ext cx="510951" cy="0"/>
+            </a:xfrm>
+            <a:custGeom>
+              <a:avLst/>
+              <a:pathLst>
+                <a:path w="510951" h="0">
+                  <a:moveTo>
+                    <a:pt x="0" y="0"/>
+                  </a:moveTo>
+                  <a:lnTo>
+                    <a:pt x="510951" y="0"/>
                   </a:lnTo>
                 </a:path>
               </a:pathLst>
@@ -3610,18 +3610,18 @@
           </p:nvSpPr>
           <p:spPr>
             <a:xfrm>
-              <a:off x="6205689" y="2655540"/>
-              <a:ext cx="0" cy="3976792"/>
-            </a:xfrm>
-            <a:custGeom>
-              <a:avLst/>
-              <a:pathLst>
-                <a:path w="0" h="3976792">
-                  <a:moveTo>
-                    <a:pt x="0" y="0"/>
-                  </a:moveTo>
-                  <a:lnTo>
-                    <a:pt x="0" y="3976792"/>
+              <a:off x="6309960" y="2784737"/>
+              <a:ext cx="0" cy="3688372"/>
+            </a:xfrm>
+            <a:custGeom>
+              <a:avLst/>
+              <a:pathLst>
+                <a:path w="0" h="3688372">
+                  <a:moveTo>
+                    <a:pt x="0" y="0"/>
+                  </a:moveTo>
+                  <a:lnTo>
+                    <a:pt x="0" y="3688372"/>
                   </a:lnTo>
                 </a:path>
               </a:pathLst>
@@ -3650,18 +3650,18 @@
           </p:nvSpPr>
           <p:spPr>
             <a:xfrm>
-              <a:off x="5942972" y="6632333"/>
-              <a:ext cx="525433" cy="0"/>
-            </a:xfrm>
-            <a:custGeom>
-              <a:avLst/>
-              <a:pathLst>
-                <a:path w="525433" h="0">
-                  <a:moveTo>
-                    <a:pt x="0" y="0"/>
-                  </a:moveTo>
-                  <a:lnTo>
-                    <a:pt x="525433" y="0"/>
+              <a:off x="6054485" y="6473109"/>
+              <a:ext cx="510951" cy="0"/>
+            </a:xfrm>
+            <a:custGeom>
+              <a:avLst/>
+              <a:pathLst>
+                <a:path w="510951" h="0">
+                  <a:moveTo>
+                    <a:pt x="0" y="0"/>
+                  </a:moveTo>
+                  <a:lnTo>
+                    <a:pt x="510951" y="0"/>
                   </a:lnTo>
                 </a:path>
               </a:pathLst>
@@ -3690,18 +3690,18 @@
           </p:nvSpPr>
           <p:spPr>
             <a:xfrm>
-              <a:off x="6993839" y="4208703"/>
-              <a:ext cx="525433" cy="0"/>
-            </a:xfrm>
-            <a:custGeom>
-              <a:avLst/>
-              <a:pathLst>
-                <a:path w="525433" h="0">
-                  <a:moveTo>
-                    <a:pt x="0" y="0"/>
-                  </a:moveTo>
-                  <a:lnTo>
-                    <a:pt x="525433" y="0"/>
+              <a:off x="7076387" y="4225255"/>
+              <a:ext cx="510951" cy="0"/>
+            </a:xfrm>
+            <a:custGeom>
+              <a:avLst/>
+              <a:pathLst>
+                <a:path w="510951" h="0">
+                  <a:moveTo>
+                    <a:pt x="0" y="0"/>
+                  </a:moveTo>
+                  <a:lnTo>
+                    <a:pt x="510951" y="0"/>
                   </a:lnTo>
                 </a:path>
               </a:pathLst>
@@ -3730,18 +3730,18 @@
           </p:nvSpPr>
           <p:spPr>
             <a:xfrm>
-              <a:off x="7256556" y="4208703"/>
-              <a:ext cx="0" cy="2450987"/>
-            </a:xfrm>
-            <a:custGeom>
-              <a:avLst/>
-              <a:pathLst>
-                <a:path w="0" h="2450987">
-                  <a:moveTo>
-                    <a:pt x="0" y="0"/>
-                  </a:moveTo>
-                  <a:lnTo>
-                    <a:pt x="0" y="2450987"/>
+              <a:off x="7331863" y="4225255"/>
+              <a:ext cx="0" cy="2273227"/>
+            </a:xfrm>
+            <a:custGeom>
+              <a:avLst/>
+              <a:pathLst>
+                <a:path w="0" h="2273227">
+                  <a:moveTo>
+                    <a:pt x="0" y="0"/>
+                  </a:moveTo>
+                  <a:lnTo>
+                    <a:pt x="0" y="2273227"/>
                   </a:lnTo>
                 </a:path>
               </a:pathLst>
@@ -3770,18 +3770,18 @@
           </p:nvSpPr>
           <p:spPr>
             <a:xfrm>
-              <a:off x="6993839" y="6659691"/>
-              <a:ext cx="525433" cy="0"/>
-            </a:xfrm>
-            <a:custGeom>
-              <a:avLst/>
-              <a:pathLst>
-                <a:path w="525433" h="0">
-                  <a:moveTo>
-                    <a:pt x="0" y="0"/>
-                  </a:moveTo>
-                  <a:lnTo>
-                    <a:pt x="525433" y="0"/>
+              <a:off x="7076387" y="6498483"/>
+              <a:ext cx="510951" cy="0"/>
+            </a:xfrm>
+            <a:custGeom>
+              <a:avLst/>
+              <a:pathLst>
+                <a:path w="510951" h="0">
+                  <a:moveTo>
+                    <a:pt x="0" y="0"/>
+                  </a:moveTo>
+                  <a:lnTo>
+                    <a:pt x="510951" y="0"/>
                   </a:lnTo>
                 </a:path>
               </a:pathLst>
@@ -3810,18 +3810,18 @@
           </p:nvSpPr>
           <p:spPr>
             <a:xfrm>
-              <a:off x="8044706" y="2447872"/>
-              <a:ext cx="525433" cy="0"/>
-            </a:xfrm>
-            <a:custGeom>
-              <a:avLst/>
-              <a:pathLst>
-                <a:path w="525433" h="0">
-                  <a:moveTo>
-                    <a:pt x="0" y="0"/>
-                  </a:moveTo>
-                  <a:lnTo>
-                    <a:pt x="525433" y="0"/>
+              <a:off x="8098290" y="2592130"/>
+              <a:ext cx="510951" cy="0"/>
+            </a:xfrm>
+            <a:custGeom>
+              <a:avLst/>
+              <a:pathLst>
+                <a:path w="510951" h="0">
+                  <a:moveTo>
+                    <a:pt x="0" y="0"/>
+                  </a:moveTo>
+                  <a:lnTo>
+                    <a:pt x="510951" y="0"/>
                   </a:lnTo>
                 </a:path>
               </a:pathLst>
@@ -3850,18 +3850,18 @@
           </p:nvSpPr>
           <p:spPr>
             <a:xfrm>
-              <a:off x="8307423" y="2447872"/>
-              <a:ext cx="0" cy="2608915"/>
-            </a:xfrm>
-            <a:custGeom>
-              <a:avLst/>
-              <a:pathLst>
-                <a:path w="0" h="2608915">
-                  <a:moveTo>
-                    <a:pt x="0" y="0"/>
-                  </a:moveTo>
-                  <a:lnTo>
-                    <a:pt x="0" y="2608915"/>
+              <a:off x="8353766" y="2592130"/>
+              <a:ext cx="0" cy="2419701"/>
+            </a:xfrm>
+            <a:custGeom>
+              <a:avLst/>
+              <a:pathLst>
+                <a:path w="0" h="2419701">
+                  <a:moveTo>
+                    <a:pt x="0" y="0"/>
+                  </a:moveTo>
+                  <a:lnTo>
+                    <a:pt x="0" y="2419701"/>
                   </a:lnTo>
                 </a:path>
               </a:pathLst>
@@ -3890,18 +3890,18 @@
           </p:nvSpPr>
           <p:spPr>
             <a:xfrm>
-              <a:off x="8044706" y="5056787"/>
-              <a:ext cx="525433" cy="0"/>
-            </a:xfrm>
-            <a:custGeom>
-              <a:avLst/>
-              <a:pathLst>
-                <a:path w="525433" h="0">
-                  <a:moveTo>
-                    <a:pt x="0" y="0"/>
-                  </a:moveTo>
-                  <a:lnTo>
-                    <a:pt x="525433" y="0"/>
+              <a:off x="8098290" y="5011831"/>
+              <a:ext cx="510951" cy="0"/>
+            </a:xfrm>
+            <a:custGeom>
+              <a:avLst/>
+              <a:pathLst>
+                <a:path w="510951" h="0">
+                  <a:moveTo>
+                    <a:pt x="0" y="0"/>
+                  </a:moveTo>
+                  <a:lnTo>
+                    <a:pt x="510951" y="0"/>
                   </a:lnTo>
                 </a:path>
               </a:pathLst>
@@ -3930,18 +3930,18 @@
           </p:nvSpPr>
           <p:spPr>
             <a:xfrm>
-              <a:off x="9095573" y="1644555"/>
-              <a:ext cx="525433" cy="0"/>
-            </a:xfrm>
-            <a:custGeom>
-              <a:avLst/>
-              <a:pathLst>
-                <a:path w="525433" h="0">
-                  <a:moveTo>
-                    <a:pt x="0" y="0"/>
-                  </a:moveTo>
-                  <a:lnTo>
-                    <a:pt x="525433" y="0"/>
+              <a:off x="9120193" y="1847074"/>
+              <a:ext cx="510951" cy="0"/>
+            </a:xfrm>
+            <a:custGeom>
+              <a:avLst/>
+              <a:pathLst>
+                <a:path w="510951" h="0">
+                  <a:moveTo>
+                    <a:pt x="0" y="0"/>
+                  </a:moveTo>
+                  <a:lnTo>
+                    <a:pt x="510951" y="0"/>
                   </a:lnTo>
                 </a:path>
               </a:pathLst>
@@ -3970,18 +3970,18 @@
           </p:nvSpPr>
           <p:spPr>
             <a:xfrm>
-              <a:off x="9358290" y="1644555"/>
-              <a:ext cx="0" cy="567047"/>
-            </a:xfrm>
-            <a:custGeom>
-              <a:avLst/>
-              <a:pathLst>
-                <a:path w="0" h="567047">
-                  <a:moveTo>
-                    <a:pt x="0" y="0"/>
-                  </a:moveTo>
-                  <a:lnTo>
-                    <a:pt x="0" y="567047"/>
+              <a:off x="9375669" y="1847074"/>
+              <a:ext cx="0" cy="525921"/>
+            </a:xfrm>
+            <a:custGeom>
+              <a:avLst/>
+              <a:pathLst>
+                <a:path w="0" h="525921">
+                  <a:moveTo>
+                    <a:pt x="0" y="0"/>
+                  </a:moveTo>
+                  <a:lnTo>
+                    <a:pt x="0" y="525921"/>
                   </a:lnTo>
                 </a:path>
               </a:pathLst>
@@ -4010,18 +4010,18 @@
           </p:nvSpPr>
           <p:spPr>
             <a:xfrm>
-              <a:off x="9095573" y="2211602"/>
-              <a:ext cx="525433" cy="0"/>
-            </a:xfrm>
-            <a:custGeom>
-              <a:avLst/>
-              <a:pathLst>
-                <a:path w="525433" h="0">
-                  <a:moveTo>
-                    <a:pt x="0" y="0"/>
-                  </a:moveTo>
-                  <a:lnTo>
-                    <a:pt x="525433" y="0"/>
+              <a:off x="9120193" y="2372996"/>
+              <a:ext cx="510951" cy="0"/>
+            </a:xfrm>
+            <a:custGeom>
+              <a:avLst/>
+              <a:pathLst>
+                <a:path w="510951" h="0">
+                  <a:moveTo>
+                    <a:pt x="0" y="0"/>
+                  </a:moveTo>
+                  <a:lnTo>
+                    <a:pt x="510951" y="0"/>
                   </a:lnTo>
                 </a:path>
               </a:pathLst>
@@ -4050,15 +4050,15 @@
           </p:nvSpPr>
           <p:spPr>
             <a:xfrm>
-              <a:off x="2002220" y="3288495"/>
-              <a:ext cx="0" cy="1061348"/>
-            </a:xfrm>
-            <a:custGeom>
-              <a:avLst/>
-              <a:pathLst>
-                <a:path w="0" h="1061348">
-                  <a:moveTo>
-                    <a:pt x="0" y="1061348"/>
+              <a:off x="2222349" y="3371786"/>
+              <a:ext cx="0" cy="984373"/>
+            </a:xfrm>
+            <a:custGeom>
+              <a:avLst/>
+              <a:pathLst>
+                <a:path w="0" h="984373">
+                  <a:moveTo>
+                    <a:pt x="0" y="984373"/>
                   </a:moveTo>
                   <a:lnTo>
                     <a:pt x="0" y="0"/>
@@ -4090,18 +4090,18 @@
           </p:nvSpPr>
           <p:spPr>
             <a:xfrm>
-              <a:off x="2002220" y="6466944"/>
-              <a:ext cx="0" cy="138031"/>
-            </a:xfrm>
-            <a:custGeom>
-              <a:avLst/>
-              <a:pathLst>
-                <a:path w="0" h="138031">
-                  <a:moveTo>
-                    <a:pt x="0" y="0"/>
-                  </a:moveTo>
-                  <a:lnTo>
-                    <a:pt x="0" y="138031"/>
+              <a:off x="2222349" y="6319716"/>
+              <a:ext cx="0" cy="128020"/>
+            </a:xfrm>
+            <a:custGeom>
+              <a:avLst/>
+              <a:pathLst>
+                <a:path w="0" h="128020">
+                  <a:moveTo>
+                    <a:pt x="0" y="0"/>
+                  </a:moveTo>
+                  <a:lnTo>
+                    <a:pt x="0" y="128020"/>
                   </a:lnTo>
                 </a:path>
               </a:pathLst>
@@ -4130,24 +4130,24 @@
           </p:nvSpPr>
           <p:spPr>
             <a:xfrm>
-              <a:off x="1608145" y="4349843"/>
-              <a:ext cx="788150" cy="2117101"/>
-            </a:xfrm>
-            <a:custGeom>
-              <a:avLst/>
-              <a:pathLst>
-                <a:path w="788150" h="2117101">
-                  <a:moveTo>
-                    <a:pt x="0" y="0"/>
-                  </a:moveTo>
-                  <a:lnTo>
-                    <a:pt x="0" y="2117101"/>
-                  </a:lnTo>
-                  <a:lnTo>
-                    <a:pt x="788150" y="2117101"/>
-                  </a:lnTo>
-                  <a:lnTo>
-                    <a:pt x="788150" y="0"/>
+              <a:off x="1839135" y="4356159"/>
+              <a:ext cx="766427" cy="1963556"/>
+            </a:xfrm>
+            <a:custGeom>
+              <a:avLst/>
+              <a:pathLst>
+                <a:path w="766427" h="1963556">
+                  <a:moveTo>
+                    <a:pt x="0" y="0"/>
+                  </a:moveTo>
+                  <a:lnTo>
+                    <a:pt x="0" y="1963556"/>
+                  </a:lnTo>
+                  <a:lnTo>
+                    <a:pt x="766427" y="1963556"/>
+                  </a:lnTo>
+                  <a:lnTo>
+                    <a:pt x="766427" y="0"/>
                   </a:lnTo>
                   <a:close/>
                 </a:path>
@@ -4182,18 +4182,18 @@
           </p:nvSpPr>
           <p:spPr>
             <a:xfrm>
-              <a:off x="1608145" y="6396063"/>
-              <a:ext cx="788150" cy="0"/>
-            </a:xfrm>
-            <a:custGeom>
-              <a:avLst/>
-              <a:pathLst>
-                <a:path w="788150" h="0">
-                  <a:moveTo>
-                    <a:pt x="0" y="0"/>
-                  </a:moveTo>
-                  <a:lnTo>
-                    <a:pt x="788150" y="0"/>
+              <a:off x="1839135" y="6253975"/>
+              <a:ext cx="766427" cy="0"/>
+            </a:xfrm>
+            <a:custGeom>
+              <a:avLst/>
+              <a:pathLst>
+                <a:path w="766427" h="0">
+                  <a:moveTo>
+                    <a:pt x="0" y="0"/>
+                  </a:moveTo>
+                  <a:lnTo>
+                    <a:pt x="766427" y="0"/>
                   </a:lnTo>
                 </a:path>
               </a:pathLst>
@@ -4222,15 +4222,15 @@
           </p:nvSpPr>
           <p:spPr>
             <a:xfrm>
-              <a:off x="3053087" y="2033778"/>
-              <a:ext cx="0" cy="192746"/>
-            </a:xfrm>
-            <a:custGeom>
-              <a:avLst/>
-              <a:pathLst>
-                <a:path w="0" h="192746">
-                  <a:moveTo>
-                    <a:pt x="0" y="192746"/>
+              <a:off x="3244252" y="2208068"/>
+              <a:ext cx="0" cy="178767"/>
+            </a:xfrm>
+            <a:custGeom>
+              <a:avLst/>
+              <a:pathLst>
+                <a:path w="0" h="178767">
+                  <a:moveTo>
+                    <a:pt x="0" y="178767"/>
                   </a:moveTo>
                   <a:lnTo>
                     <a:pt x="0" y="0"/>
@@ -4262,18 +4262,18 @@
           </p:nvSpPr>
           <p:spPr>
             <a:xfrm>
-              <a:off x="3053087" y="2561654"/>
-              <a:ext cx="0" cy="430881"/>
-            </a:xfrm>
-            <a:custGeom>
-              <a:avLst/>
-              <a:pathLst>
-                <a:path w="0" h="430881">
-                  <a:moveTo>
-                    <a:pt x="0" y="0"/>
-                  </a:moveTo>
-                  <a:lnTo>
-                    <a:pt x="0" y="430881"/>
+              <a:off x="3244252" y="2697660"/>
+              <a:ext cx="0" cy="399631"/>
+            </a:xfrm>
+            <a:custGeom>
+              <a:avLst/>
+              <a:pathLst>
+                <a:path w="0" h="399631">
+                  <a:moveTo>
+                    <a:pt x="0" y="0"/>
+                  </a:moveTo>
+                  <a:lnTo>
+                    <a:pt x="0" y="399631"/>
                   </a:lnTo>
                 </a:path>
               </a:pathLst>
@@ -4302,24 +4302,24 @@
           </p:nvSpPr>
           <p:spPr>
             <a:xfrm>
-              <a:off x="2659012" y="2226524"/>
-              <a:ext cx="788150" cy="335129"/>
-            </a:xfrm>
-            <a:custGeom>
-              <a:avLst/>
-              <a:pathLst>
-                <a:path w="788150" h="335129">
-                  <a:moveTo>
-                    <a:pt x="0" y="0"/>
-                  </a:moveTo>
-                  <a:lnTo>
-                    <a:pt x="0" y="335129"/>
-                  </a:lnTo>
-                  <a:lnTo>
-                    <a:pt x="788150" y="335129"/>
-                  </a:lnTo>
-                  <a:lnTo>
-                    <a:pt x="788150" y="0"/>
+              <a:off x="2861038" y="2386836"/>
+              <a:ext cx="766427" cy="310824"/>
+            </a:xfrm>
+            <a:custGeom>
+              <a:avLst/>
+              <a:pathLst>
+                <a:path w="766427" h="310824">
+                  <a:moveTo>
+                    <a:pt x="0" y="0"/>
+                  </a:moveTo>
+                  <a:lnTo>
+                    <a:pt x="0" y="310824"/>
+                  </a:lnTo>
+                  <a:lnTo>
+                    <a:pt x="766427" y="310824"/>
+                  </a:lnTo>
+                  <a:lnTo>
+                    <a:pt x="766427" y="0"/>
                   </a:lnTo>
                   <a:close/>
                 </a:path>
@@ -4354,18 +4354,18 @@
           </p:nvSpPr>
           <p:spPr>
             <a:xfrm>
-              <a:off x="2659012" y="2270669"/>
-              <a:ext cx="788150" cy="0"/>
-            </a:xfrm>
-            <a:custGeom>
-              <a:avLst/>
-              <a:pathLst>
-                <a:path w="788150" h="0">
-                  <a:moveTo>
-                    <a:pt x="0" y="0"/>
-                  </a:moveTo>
-                  <a:lnTo>
-                    <a:pt x="788150" y="0"/>
+              <a:off x="2861038" y="2427779"/>
+              <a:ext cx="766427" cy="0"/>
+            </a:xfrm>
+            <a:custGeom>
+              <a:avLst/>
+              <a:pathLst>
+                <a:path w="766427" h="0">
+                  <a:moveTo>
+                    <a:pt x="0" y="0"/>
+                  </a:moveTo>
+                  <a:lnTo>
+                    <a:pt x="766427" y="0"/>
                   </a:lnTo>
                 </a:path>
               </a:pathLst>
@@ -4394,15 +4394,15 @@
           </p:nvSpPr>
           <p:spPr>
             <a:xfrm>
-              <a:off x="4103955" y="3800827"/>
-              <a:ext cx="0" cy="295648"/>
-            </a:xfrm>
-            <a:custGeom>
-              <a:avLst/>
-              <a:pathLst>
-                <a:path w="0" h="295648">
-                  <a:moveTo>
-                    <a:pt x="0" y="295648"/>
+              <a:off x="4266155" y="3846961"/>
+              <a:ext cx="0" cy="274205"/>
+            </a:xfrm>
+            <a:custGeom>
+              <a:avLst/>
+              <a:pathLst>
+                <a:path w="0" h="274205">
+                  <a:moveTo>
+                    <a:pt x="0" y="274205"/>
                   </a:moveTo>
                   <a:lnTo>
                     <a:pt x="0" y="0"/>
@@ -4434,18 +4434,18 @@
           </p:nvSpPr>
           <p:spPr>
             <a:xfrm>
-              <a:off x="4103955" y="4349843"/>
-              <a:ext cx="0" cy="310259"/>
-            </a:xfrm>
-            <a:custGeom>
-              <a:avLst/>
-              <a:pathLst>
-                <a:path w="0" h="310259">
-                  <a:moveTo>
-                    <a:pt x="0" y="0"/>
-                  </a:moveTo>
-                  <a:lnTo>
-                    <a:pt x="0" y="310259"/>
+              <a:off x="4266155" y="4356159"/>
+              <a:ext cx="0" cy="287757"/>
+            </a:xfrm>
+            <a:custGeom>
+              <a:avLst/>
+              <a:pathLst>
+                <a:path w="0" h="287757">
+                  <a:moveTo>
+                    <a:pt x="0" y="0"/>
+                  </a:moveTo>
+                  <a:lnTo>
+                    <a:pt x="0" y="287757"/>
                   </a:lnTo>
                 </a:path>
               </a:pathLst>
@@ -4474,24 +4474,24 @@
           </p:nvSpPr>
           <p:spPr>
             <a:xfrm>
-              <a:off x="3709879" y="4096475"/>
-              <a:ext cx="788150" cy="253368"/>
-            </a:xfrm>
-            <a:custGeom>
-              <a:avLst/>
-              <a:pathLst>
-                <a:path w="788150" h="253368">
-                  <a:moveTo>
-                    <a:pt x="0" y="0"/>
-                  </a:moveTo>
-                  <a:lnTo>
-                    <a:pt x="0" y="253368"/>
-                  </a:lnTo>
-                  <a:lnTo>
-                    <a:pt x="788150" y="253368"/>
-                  </a:lnTo>
-                  <a:lnTo>
-                    <a:pt x="788150" y="0"/>
+              <a:off x="3882941" y="4121167"/>
+              <a:ext cx="766427" cy="234992"/>
+            </a:xfrm>
+            <a:custGeom>
+              <a:avLst/>
+              <a:pathLst>
+                <a:path w="766427" h="234992">
+                  <a:moveTo>
+                    <a:pt x="0" y="0"/>
+                  </a:moveTo>
+                  <a:lnTo>
+                    <a:pt x="0" y="234992"/>
+                  </a:lnTo>
+                  <a:lnTo>
+                    <a:pt x="766427" y="234992"/>
+                  </a:lnTo>
+                  <a:lnTo>
+                    <a:pt x="766427" y="0"/>
                   </a:lnTo>
                   <a:close/>
                 </a:path>
@@ -4526,18 +4526,18 @@
           </p:nvSpPr>
           <p:spPr>
             <a:xfrm>
-              <a:off x="3709879" y="4144662"/>
-              <a:ext cx="788150" cy="0"/>
-            </a:xfrm>
-            <a:custGeom>
-              <a:avLst/>
-              <a:pathLst>
-                <a:path w="788150" h="0">
-                  <a:moveTo>
-                    <a:pt x="0" y="0"/>
-                  </a:moveTo>
-                  <a:lnTo>
-                    <a:pt x="788150" y="0"/>
+              <a:off x="3882941" y="4165858"/>
+              <a:ext cx="766427" cy="0"/>
+            </a:xfrm>
+            <a:custGeom>
+              <a:avLst/>
+              <a:pathLst>
+                <a:path w="766427" h="0">
+                  <a:moveTo>
+                    <a:pt x="0" y="0"/>
+                  </a:moveTo>
+                  <a:lnTo>
+                    <a:pt x="766427" y="0"/>
                   </a:lnTo>
                 </a:path>
               </a:pathLst>
@@ -4566,15 +4566,15 @@
           </p:nvSpPr>
           <p:spPr>
             <a:xfrm>
-              <a:off x="5154822" y="4989637"/>
-              <a:ext cx="0" cy="380518"/>
-            </a:xfrm>
-            <a:custGeom>
-              <a:avLst/>
-              <a:pathLst>
-                <a:path w="0" h="380518">
-                  <a:moveTo>
-                    <a:pt x="0" y="380518"/>
+              <a:off x="5288057" y="4949551"/>
+              <a:ext cx="0" cy="352921"/>
+            </a:xfrm>
+            <a:custGeom>
+              <a:avLst/>
+              <a:pathLst>
+                <a:path w="0" h="352921">
+                  <a:moveTo>
+                    <a:pt x="0" y="352921"/>
                   </a:moveTo>
                   <a:lnTo>
                     <a:pt x="0" y="0"/>
@@ -4606,18 +4606,18 @@
           </p:nvSpPr>
           <p:spPr>
             <a:xfrm>
-              <a:off x="5154822" y="6154820"/>
-              <a:ext cx="0" cy="396684"/>
-            </a:xfrm>
-            <a:custGeom>
-              <a:avLst/>
-              <a:pathLst>
-                <a:path w="0" h="396684">
-                  <a:moveTo>
-                    <a:pt x="0" y="0"/>
-                  </a:moveTo>
-                  <a:lnTo>
-                    <a:pt x="0" y="396684"/>
+              <a:off x="5288057" y="6030228"/>
+              <a:ext cx="0" cy="367914"/>
+            </a:xfrm>
+            <a:custGeom>
+              <a:avLst/>
+              <a:pathLst>
+                <a:path w="0" h="367914">
+                  <a:moveTo>
+                    <a:pt x="0" y="0"/>
+                  </a:moveTo>
+                  <a:lnTo>
+                    <a:pt x="0" y="367914"/>
                   </a:lnTo>
                 </a:path>
               </a:pathLst>
@@ -4646,24 +4646,24 @@
           </p:nvSpPr>
           <p:spPr>
             <a:xfrm>
-              <a:off x="4760746" y="5370155"/>
-              <a:ext cx="788150" cy="784664"/>
-            </a:xfrm>
-            <a:custGeom>
-              <a:avLst/>
-              <a:pathLst>
-                <a:path w="788150" h="784664">
-                  <a:moveTo>
-                    <a:pt x="0" y="0"/>
-                  </a:moveTo>
-                  <a:lnTo>
-                    <a:pt x="0" y="784664"/>
-                  </a:lnTo>
-                  <a:lnTo>
-                    <a:pt x="788150" y="784664"/>
-                  </a:lnTo>
-                  <a:lnTo>
-                    <a:pt x="788150" y="0"/>
+              <a:off x="4904844" y="5302472"/>
+              <a:ext cx="766427" cy="727755"/>
+            </a:xfrm>
+            <a:custGeom>
+              <a:avLst/>
+              <a:pathLst>
+                <a:path w="766427" h="727755">
+                  <a:moveTo>
+                    <a:pt x="0" y="0"/>
+                  </a:moveTo>
+                  <a:lnTo>
+                    <a:pt x="0" y="727755"/>
+                  </a:lnTo>
+                  <a:lnTo>
+                    <a:pt x="766427" y="727755"/>
+                  </a:lnTo>
+                  <a:lnTo>
+                    <a:pt x="766427" y="0"/>
                   </a:lnTo>
                   <a:close/>
                 </a:path>
@@ -4698,18 +4698,18 @@
           </p:nvSpPr>
           <p:spPr>
             <a:xfrm>
-              <a:off x="4760746" y="5508187"/>
-              <a:ext cx="788150" cy="0"/>
-            </a:xfrm>
-            <a:custGeom>
-              <a:avLst/>
-              <a:pathLst>
-                <a:path w="788150" h="0">
-                  <a:moveTo>
-                    <a:pt x="0" y="0"/>
-                  </a:moveTo>
-                  <a:lnTo>
-                    <a:pt x="788150" y="0"/>
+              <a:off x="4904844" y="5430493"/>
+              <a:ext cx="766427" cy="0"/>
+            </a:xfrm>
+            <a:custGeom>
+              <a:avLst/>
+              <a:pathLst>
+                <a:path w="766427" h="0">
+                  <a:moveTo>
+                    <a:pt x="0" y="0"/>
+                  </a:moveTo>
+                  <a:lnTo>
+                    <a:pt x="766427" y="0"/>
                   </a:lnTo>
                 </a:path>
               </a:pathLst>
@@ -4738,15 +4738,15 @@
           </p:nvSpPr>
           <p:spPr>
             <a:xfrm>
-              <a:off x="6205689" y="2655540"/>
-              <a:ext cx="0" cy="863006"/>
-            </a:xfrm>
-            <a:custGeom>
-              <a:avLst/>
-              <a:pathLst>
-                <a:path w="0" h="863006">
-                  <a:moveTo>
-                    <a:pt x="0" y="863006"/>
+              <a:off x="6309960" y="2784737"/>
+              <a:ext cx="0" cy="800416"/>
+            </a:xfrm>
+            <a:custGeom>
+              <a:avLst/>
+              <a:pathLst>
+                <a:path w="0" h="800416">
+                  <a:moveTo>
+                    <a:pt x="0" y="800416"/>
                   </a:moveTo>
                   <a:lnTo>
                     <a:pt x="0" y="0"/>
@@ -4778,18 +4778,18 @@
           </p:nvSpPr>
           <p:spPr>
             <a:xfrm>
-              <a:off x="6205689" y="6524146"/>
-              <a:ext cx="0" cy="108186"/>
-            </a:xfrm>
-            <a:custGeom>
-              <a:avLst/>
-              <a:pathLst>
-                <a:path w="0" h="108186">
-                  <a:moveTo>
-                    <a:pt x="0" y="0"/>
-                  </a:moveTo>
-                  <a:lnTo>
-                    <a:pt x="0" y="108186"/>
+              <a:off x="6309960" y="6372769"/>
+              <a:ext cx="0" cy="100340"/>
+            </a:xfrm>
+            <a:custGeom>
+              <a:avLst/>
+              <a:pathLst>
+                <a:path w="0" h="100340">
+                  <a:moveTo>
+                    <a:pt x="0" y="0"/>
+                  </a:moveTo>
+                  <a:lnTo>
+                    <a:pt x="0" y="100340"/>
                   </a:lnTo>
                 </a:path>
               </a:pathLst>
@@ -4818,24 +4818,24 @@
           </p:nvSpPr>
           <p:spPr>
             <a:xfrm>
-              <a:off x="5811614" y="3518547"/>
-              <a:ext cx="788150" cy="3005599"/>
-            </a:xfrm>
-            <a:custGeom>
-              <a:avLst/>
-              <a:pathLst>
-                <a:path w="788150" h="3005599">
-                  <a:moveTo>
-                    <a:pt x="0" y="0"/>
-                  </a:moveTo>
-                  <a:lnTo>
-                    <a:pt x="0" y="3005599"/>
-                  </a:lnTo>
-                  <a:lnTo>
-                    <a:pt x="788150" y="3005599"/>
-                  </a:lnTo>
-                  <a:lnTo>
-                    <a:pt x="788150" y="0"/>
+              <a:off x="5926747" y="3585153"/>
+              <a:ext cx="766427" cy="2787616"/>
+            </a:xfrm>
+            <a:custGeom>
+              <a:avLst/>
+              <a:pathLst>
+                <a:path w="766427" h="2787616">
+                  <a:moveTo>
+                    <a:pt x="0" y="0"/>
+                  </a:moveTo>
+                  <a:lnTo>
+                    <a:pt x="0" y="2787616"/>
+                  </a:lnTo>
+                  <a:lnTo>
+                    <a:pt x="766427" y="2787616"/>
+                  </a:lnTo>
+                  <a:lnTo>
+                    <a:pt x="766427" y="0"/>
                   </a:lnTo>
                   <a:close/>
                 </a:path>
@@ -4870,18 +4870,18 @@
           </p:nvSpPr>
           <p:spPr>
             <a:xfrm>
-              <a:off x="5811614" y="4237304"/>
-              <a:ext cx="788150" cy="0"/>
-            </a:xfrm>
-            <a:custGeom>
-              <a:avLst/>
-              <a:pathLst>
-                <a:path w="788150" h="0">
-                  <a:moveTo>
-                    <a:pt x="0" y="0"/>
-                  </a:moveTo>
-                  <a:lnTo>
-                    <a:pt x="788150" y="0"/>
+              <a:off x="5926747" y="4251782"/>
+              <a:ext cx="766427" cy="0"/>
+            </a:xfrm>
+            <a:custGeom>
+              <a:avLst/>
+              <a:pathLst>
+                <a:path w="766427" h="0">
+                  <a:moveTo>
+                    <a:pt x="0" y="0"/>
+                  </a:moveTo>
+                  <a:lnTo>
+                    <a:pt x="766427" y="0"/>
                   </a:lnTo>
                 </a:path>
               </a:pathLst>
@@ -4910,15 +4910,15 @@
           </p:nvSpPr>
           <p:spPr>
             <a:xfrm>
-              <a:off x="7256556" y="4208703"/>
-              <a:ext cx="0" cy="467876"/>
-            </a:xfrm>
-            <a:custGeom>
-              <a:avLst/>
-              <a:pathLst>
-                <a:path w="0" h="467876">
-                  <a:moveTo>
-                    <a:pt x="0" y="467876"/>
+              <a:off x="7331863" y="4225255"/>
+              <a:ext cx="0" cy="433943"/>
+            </a:xfrm>
+            <a:custGeom>
+              <a:avLst/>
+              <a:pathLst>
+                <a:path w="0" h="433943">
+                  <a:moveTo>
+                    <a:pt x="0" y="433943"/>
                   </a:moveTo>
                   <a:lnTo>
                     <a:pt x="0" y="0"/>
@@ -4950,18 +4950,18 @@
           </p:nvSpPr>
           <p:spPr>
             <a:xfrm>
-              <a:off x="7256556" y="6305908"/>
-              <a:ext cx="0" cy="353782"/>
-            </a:xfrm>
-            <a:custGeom>
-              <a:avLst/>
-              <a:pathLst>
-                <a:path w="0" h="353782">
-                  <a:moveTo>
-                    <a:pt x="0" y="0"/>
-                  </a:moveTo>
-                  <a:lnTo>
-                    <a:pt x="0" y="353782"/>
+              <a:off x="7331863" y="6170358"/>
+              <a:ext cx="0" cy="328124"/>
+            </a:xfrm>
+            <a:custGeom>
+              <a:avLst/>
+              <a:pathLst>
+                <a:path w="0" h="328124">
+                  <a:moveTo>
+                    <a:pt x="0" y="0"/>
+                  </a:moveTo>
+                  <a:lnTo>
+                    <a:pt x="0" y="328124"/>
                   </a:lnTo>
                 </a:path>
               </a:pathLst>
@@ -4990,24 +4990,24 @@
           </p:nvSpPr>
           <p:spPr>
             <a:xfrm>
-              <a:off x="6862481" y="4676579"/>
-              <a:ext cx="788150" cy="1629328"/>
-            </a:xfrm>
-            <a:custGeom>
-              <a:avLst/>
-              <a:pathLst>
-                <a:path w="788150" h="1629328">
-                  <a:moveTo>
-                    <a:pt x="0" y="0"/>
-                  </a:moveTo>
-                  <a:lnTo>
-                    <a:pt x="0" y="1629328"/>
-                  </a:lnTo>
-                  <a:lnTo>
-                    <a:pt x="788150" y="1629328"/>
-                  </a:lnTo>
-                  <a:lnTo>
-                    <a:pt x="788150" y="0"/>
+              <a:off x="6948650" y="4659198"/>
+              <a:ext cx="766427" cy="1511160"/>
+            </a:xfrm>
+            <a:custGeom>
+              <a:avLst/>
+              <a:pathLst>
+                <a:path w="766427" h="1511160">
+                  <a:moveTo>
+                    <a:pt x="0" y="0"/>
+                  </a:moveTo>
+                  <a:lnTo>
+                    <a:pt x="0" y="1511160"/>
+                  </a:lnTo>
+                  <a:lnTo>
+                    <a:pt x="766427" y="1511160"/>
+                  </a:lnTo>
+                  <a:lnTo>
+                    <a:pt x="766427" y="0"/>
                   </a:lnTo>
                   <a:close/>
                 </a:path>
@@ -5042,18 +5042,18 @@
           </p:nvSpPr>
           <p:spPr>
             <a:xfrm>
-              <a:off x="6862481" y="5620104"/>
-              <a:ext cx="788150" cy="0"/>
-            </a:xfrm>
-            <a:custGeom>
-              <a:avLst/>
-              <a:pathLst>
-                <a:path w="788150" h="0">
-                  <a:moveTo>
-                    <a:pt x="0" y="0"/>
-                  </a:moveTo>
-                  <a:lnTo>
-                    <a:pt x="788150" y="0"/>
+              <a:off x="6948650" y="5534293"/>
+              <a:ext cx="766427" cy="0"/>
+            </a:xfrm>
+            <a:custGeom>
+              <a:avLst/>
+              <a:pathLst>
+                <a:path w="766427" h="0">
+                  <a:moveTo>
+                    <a:pt x="0" y="0"/>
+                  </a:moveTo>
+                  <a:lnTo>
+                    <a:pt x="766427" y="0"/>
                   </a:lnTo>
                 </a:path>
               </a:pathLst>
@@ -5082,15 +5082,15 @@
           </p:nvSpPr>
           <p:spPr>
             <a:xfrm>
-              <a:off x="8307423" y="2447872"/>
-              <a:ext cx="0" cy="686736"/>
-            </a:xfrm>
-            <a:custGeom>
-              <a:avLst/>
-              <a:pathLst>
-                <a:path w="0" h="686736">
-                  <a:moveTo>
-                    <a:pt x="0" y="686736"/>
+              <a:off x="8353766" y="2592130"/>
+              <a:ext cx="0" cy="636930"/>
+            </a:xfrm>
+            <a:custGeom>
+              <a:avLst/>
+              <a:pathLst>
+                <a:path w="0" h="636930">
+                  <a:moveTo>
+                    <a:pt x="0" y="636930"/>
                   </a:moveTo>
                   <a:lnTo>
                     <a:pt x="0" y="0"/>
@@ -5122,18 +5122,18 @@
           </p:nvSpPr>
           <p:spPr>
             <a:xfrm>
-              <a:off x="8307423" y="3917407"/>
-              <a:ext cx="0" cy="1139379"/>
-            </a:xfrm>
-            <a:custGeom>
-              <a:avLst/>
-              <a:pathLst>
-                <a:path w="0" h="1139379">
-                  <a:moveTo>
-                    <a:pt x="0" y="0"/>
-                  </a:moveTo>
-                  <a:lnTo>
-                    <a:pt x="0" y="1139379"/>
+              <a:off x="8353766" y="3955086"/>
+              <a:ext cx="0" cy="1056745"/>
+            </a:xfrm>
+            <a:custGeom>
+              <a:avLst/>
+              <a:pathLst>
+                <a:path w="0" h="1056745">
+                  <a:moveTo>
+                    <a:pt x="0" y="0"/>
+                  </a:moveTo>
+                  <a:lnTo>
+                    <a:pt x="0" y="1056745"/>
                   </a:lnTo>
                 </a:path>
               </a:pathLst>
@@ -5162,24 +5162,24 @@
           </p:nvSpPr>
           <p:spPr>
             <a:xfrm>
-              <a:off x="7913348" y="3134608"/>
-              <a:ext cx="788150" cy="782798"/>
-            </a:xfrm>
-            <a:custGeom>
-              <a:avLst/>
-              <a:pathLst>
-                <a:path w="788150" h="782798">
-                  <a:moveTo>
-                    <a:pt x="0" y="0"/>
-                  </a:moveTo>
-                  <a:lnTo>
-                    <a:pt x="0" y="782798"/>
-                  </a:lnTo>
-                  <a:lnTo>
-                    <a:pt x="788150" y="782798"/>
-                  </a:lnTo>
-                  <a:lnTo>
-                    <a:pt x="788150" y="0"/>
+              <a:off x="7970552" y="3229060"/>
+              <a:ext cx="766427" cy="726025"/>
+            </a:xfrm>
+            <a:custGeom>
+              <a:avLst/>
+              <a:pathLst>
+                <a:path w="766427" h="726025">
+                  <a:moveTo>
+                    <a:pt x="0" y="0"/>
+                  </a:moveTo>
+                  <a:lnTo>
+                    <a:pt x="0" y="726025"/>
+                  </a:lnTo>
+                  <a:lnTo>
+                    <a:pt x="766427" y="726025"/>
+                  </a:lnTo>
+                  <a:lnTo>
+                    <a:pt x="766427" y="0"/>
                   </a:lnTo>
                   <a:close/>
                 </a:path>
@@ -5214,18 +5214,18 @@
           </p:nvSpPr>
           <p:spPr>
             <a:xfrm>
-              <a:off x="7913348" y="3369324"/>
-              <a:ext cx="788150" cy="0"/>
-            </a:xfrm>
-            <a:custGeom>
-              <a:avLst/>
-              <a:pathLst>
-                <a:path w="788150" h="0">
-                  <a:moveTo>
-                    <a:pt x="0" y="0"/>
-                  </a:moveTo>
-                  <a:lnTo>
-                    <a:pt x="788150" y="0"/>
+              <a:off x="7970552" y="3446753"/>
+              <a:ext cx="766427" cy="0"/>
+            </a:xfrm>
+            <a:custGeom>
+              <a:avLst/>
+              <a:pathLst>
+                <a:path w="766427" h="0">
+                  <a:moveTo>
+                    <a:pt x="0" y="0"/>
+                  </a:moveTo>
+                  <a:lnTo>
+                    <a:pt x="766427" y="0"/>
                   </a:lnTo>
                 </a:path>
               </a:pathLst>
@@ -5254,15 +5254,15 @@
           </p:nvSpPr>
           <p:spPr>
             <a:xfrm>
-              <a:off x="9358290" y="1644555"/>
-              <a:ext cx="0" cy="87668"/>
-            </a:xfrm>
-            <a:custGeom>
-              <a:avLst/>
-              <a:pathLst>
-                <a:path w="0" h="87668">
-                  <a:moveTo>
-                    <a:pt x="0" y="87668"/>
+              <a:off x="9375669" y="1847074"/>
+              <a:ext cx="0" cy="81310"/>
+            </a:xfrm>
+            <a:custGeom>
+              <a:avLst/>
+              <a:pathLst>
+                <a:path w="0" h="81310">
+                  <a:moveTo>
+                    <a:pt x="0" y="81310"/>
                   </a:moveTo>
                   <a:lnTo>
                     <a:pt x="0" y="0"/>
@@ -5294,18 +5294,18 @@
           </p:nvSpPr>
           <p:spPr>
             <a:xfrm>
-              <a:off x="9358290" y="1924348"/>
-              <a:ext cx="0" cy="287254"/>
-            </a:xfrm>
-            <a:custGeom>
-              <a:avLst/>
-              <a:pathLst>
-                <a:path w="0" h="287254">
-                  <a:moveTo>
-                    <a:pt x="0" y="0"/>
-                  </a:moveTo>
-                  <a:lnTo>
-                    <a:pt x="0" y="287254"/>
+              <a:off x="9375669" y="2106575"/>
+              <a:ext cx="0" cy="266420"/>
+            </a:xfrm>
+            <a:custGeom>
+              <a:avLst/>
+              <a:pathLst>
+                <a:path w="0" h="266420">
+                  <a:moveTo>
+                    <a:pt x="0" y="0"/>
+                  </a:moveTo>
+                  <a:lnTo>
+                    <a:pt x="0" y="266420"/>
                   </a:lnTo>
                 </a:path>
               </a:pathLst>
@@ -5334,24 +5334,24 @@
           </p:nvSpPr>
           <p:spPr>
             <a:xfrm>
-              <a:off x="8964215" y="1732223"/>
-              <a:ext cx="788150" cy="192124"/>
-            </a:xfrm>
-            <a:custGeom>
-              <a:avLst/>
-              <a:pathLst>
-                <a:path w="788150" h="192124">
-                  <a:moveTo>
-                    <a:pt x="0" y="0"/>
-                  </a:moveTo>
-                  <a:lnTo>
-                    <a:pt x="0" y="192124"/>
-                  </a:lnTo>
-                  <a:lnTo>
-                    <a:pt x="788150" y="192124"/>
-                  </a:lnTo>
-                  <a:lnTo>
-                    <a:pt x="788150" y="0"/>
+              <a:off x="8992455" y="1928384"/>
+              <a:ext cx="766427" cy="178190"/>
+            </a:xfrm>
+            <a:custGeom>
+              <a:avLst/>
+              <a:pathLst>
+                <a:path w="766427" h="178190">
+                  <a:moveTo>
+                    <a:pt x="0" y="0"/>
+                  </a:moveTo>
+                  <a:lnTo>
+                    <a:pt x="0" y="178190"/>
+                  </a:lnTo>
+                  <a:lnTo>
+                    <a:pt x="766427" y="178190"/>
+                  </a:lnTo>
+                  <a:lnTo>
+                    <a:pt x="766427" y="0"/>
                   </a:lnTo>
                   <a:close/>
                 </a:path>
@@ -5386,18 +5386,18 @@
           </p:nvSpPr>
           <p:spPr>
             <a:xfrm>
-              <a:off x="8964215" y="1801239"/>
-              <a:ext cx="788150" cy="0"/>
-            </a:xfrm>
-            <a:custGeom>
-              <a:avLst/>
-              <a:pathLst>
-                <a:path w="788150" h="0">
-                  <a:moveTo>
-                    <a:pt x="0" y="0"/>
-                  </a:moveTo>
-                  <a:lnTo>
-                    <a:pt x="788150" y="0"/>
+              <a:off x="8992455" y="1992394"/>
+              <a:ext cx="766427" cy="0"/>
+            </a:xfrm>
+            <a:custGeom>
+              <a:avLst/>
+              <a:pathLst>
+                <a:path w="766427" h="0">
+                  <a:moveTo>
+                    <a:pt x="0" y="0"/>
+                  </a:moveTo>
+                  <a:lnTo>
+                    <a:pt x="766427" y="0"/>
                   </a:lnTo>
                 </a:path>
               </a:pathLst>
@@ -5426,8 +5426,8 @@
           </p:nvSpPr>
           <p:spPr>
             <a:xfrm>
-              <a:off x="1371700" y="1392990"/>
-              <a:ext cx="8617110" cy="5534432"/>
+              <a:off x="1609207" y="1613754"/>
+              <a:ext cx="8379603" cy="5133042"/>
             </a:xfrm>
             <a:prstGeom prst="rect">
               <a:avLst/>
@@ -5456,8 +5456,8 @@
           </p:nvSpPr>
           <p:spPr>
             <a:xfrm>
-              <a:off x="1141430" y="6639751"/>
-              <a:ext cx="167640" cy="76835"/>
+              <a:off x="1241777" y="6444507"/>
+              <a:ext cx="304800" cy="139700"/>
             </a:xfrm>
             <a:prstGeom prst="rect">
               <a:avLst/>
@@ -5470,7 +5470,7 @@
             <a:p>
               <a:pPr algn="l" marL="0" marR="0" indent="0">
                 <a:lnSpc>
-                  <a:spcPts val="880"/>
+                  <a:spcPts val="1600"/>
                 </a:lnSpc>
                 <a:spcBef>
                   <a:spcPts val="0"/>
@@ -5480,7 +5480,7 @@
                 </a:spcAft>
               </a:pPr>
               <a:r>
-                <a:rPr sz="880">
+                <a:rPr sz="1600">
                   <a:solidFill>
                     <a:srgbClr val="4D4D4D">
                       <a:alpha val="100000"/>
@@ -5502,8 +5502,8 @@
           </p:nvSpPr>
           <p:spPr>
             <a:xfrm>
-              <a:off x="1141430" y="5396226"/>
-              <a:ext cx="167640" cy="76835"/>
+              <a:off x="1241777" y="5291169"/>
+              <a:ext cx="304800" cy="139700"/>
             </a:xfrm>
             <a:prstGeom prst="rect">
               <a:avLst/>
@@ -5516,7 +5516,7 @@
             <a:p>
               <a:pPr algn="l" marL="0" marR="0" indent="0">
                 <a:lnSpc>
-                  <a:spcPts val="880"/>
+                  <a:spcPts val="1600"/>
                 </a:lnSpc>
                 <a:spcBef>
                   <a:spcPts val="0"/>
@@ -5526,7 +5526,7 @@
                 </a:spcAft>
               </a:pPr>
               <a:r>
-                <a:rPr sz="880">
+                <a:rPr sz="1600">
                   <a:solidFill>
                     <a:srgbClr val="4D4D4D">
                       <a:alpha val="100000"/>
@@ -5548,8 +5548,8 @@
           </p:nvSpPr>
           <p:spPr>
             <a:xfrm>
-              <a:off x="1141430" y="4152701"/>
-              <a:ext cx="167640" cy="76835"/>
+              <a:off x="1241777" y="4137832"/>
+              <a:ext cx="304800" cy="139700"/>
             </a:xfrm>
             <a:prstGeom prst="rect">
               <a:avLst/>
@@ -5562,7 +5562,7 @@
             <a:p>
               <a:pPr algn="l" marL="0" marR="0" indent="0">
                 <a:lnSpc>
-                  <a:spcPts val="880"/>
+                  <a:spcPts val="1600"/>
                 </a:lnSpc>
                 <a:spcBef>
                   <a:spcPts val="0"/>
@@ -5572,7 +5572,7 @@
                 </a:spcAft>
               </a:pPr>
               <a:r>
-                <a:rPr sz="880">
+                <a:rPr sz="1600">
                   <a:solidFill>
                     <a:srgbClr val="4D4D4D">
                       <a:alpha val="100000"/>
@@ -5594,8 +5594,8 @@
           </p:nvSpPr>
           <p:spPr>
             <a:xfrm>
-              <a:off x="1141430" y="2909176"/>
-              <a:ext cx="167640" cy="76835"/>
+              <a:off x="1241777" y="2984495"/>
+              <a:ext cx="304800" cy="139700"/>
             </a:xfrm>
             <a:prstGeom prst="rect">
               <a:avLst/>
@@ -5608,7 +5608,7 @@
             <a:p>
               <a:pPr algn="l" marL="0" marR="0" indent="0">
                 <a:lnSpc>
-                  <a:spcPts val="880"/>
+                  <a:spcPts val="1600"/>
                 </a:lnSpc>
                 <a:spcBef>
                   <a:spcPts val="0"/>
@@ -5618,7 +5618,7 @@
                 </a:spcAft>
               </a:pPr>
               <a:r>
-                <a:rPr sz="880">
+                <a:rPr sz="1600">
                   <a:solidFill>
                     <a:srgbClr val="4D4D4D">
                       <a:alpha val="100000"/>
@@ -5640,8 +5640,8 @@
           </p:nvSpPr>
           <p:spPr>
             <a:xfrm>
-              <a:off x="1141430" y="1665651"/>
-              <a:ext cx="167640" cy="76835"/>
+              <a:off x="1241777" y="1831158"/>
+              <a:ext cx="304800" cy="139700"/>
             </a:xfrm>
             <a:prstGeom prst="rect">
               <a:avLst/>
@@ -5654,7 +5654,7 @@
             <a:p>
               <a:pPr algn="l" marL="0" marR="0" indent="0">
                 <a:lnSpc>
-                  <a:spcPts val="880"/>
+                  <a:spcPts val="1600"/>
                 </a:lnSpc>
                 <a:spcBef>
                   <a:spcPts val="0"/>
@@ -5664,7 +5664,7 @@
                 </a:spcAft>
               </a:pPr>
               <a:r>
-                <a:rPr sz="880">
+                <a:rPr sz="1600">
                   <a:solidFill>
                     <a:srgbClr val="4D4D4D">
                       <a:alpha val="100000"/>
@@ -5686,7 +5686,7 @@
           </p:nvSpPr>
           <p:spPr>
             <a:xfrm>
-              <a:off x="1336905" y="6679587"/>
+              <a:off x="1574413" y="6516936"/>
               <a:ext cx="34794" cy="0"/>
             </a:xfrm>
             <a:custGeom>
@@ -5726,7 +5726,7 @@
           </p:nvSpPr>
           <p:spPr>
             <a:xfrm>
-              <a:off x="1336905" y="5436062"/>
+              <a:off x="1574413" y="5363599"/>
               <a:ext cx="34794" cy="0"/>
             </a:xfrm>
             <a:custGeom>
@@ -5766,7 +5766,7 @@
           </p:nvSpPr>
           <p:spPr>
             <a:xfrm>
-              <a:off x="1336905" y="4192537"/>
+              <a:off x="1574413" y="4210262"/>
               <a:ext cx="34794" cy="0"/>
             </a:xfrm>
             <a:custGeom>
@@ -5806,7 +5806,7 @@
           </p:nvSpPr>
           <p:spPr>
             <a:xfrm>
-              <a:off x="1336905" y="2949012"/>
+              <a:off x="1574413" y="3056925"/>
               <a:ext cx="34794" cy="0"/>
             </a:xfrm>
             <a:custGeom>
@@ -5846,7 +5846,7 @@
           </p:nvSpPr>
           <p:spPr>
             <a:xfrm>
-              <a:off x="1336905" y="1705487"/>
+              <a:off x="1574413" y="1903587"/>
               <a:ext cx="34794" cy="0"/>
             </a:xfrm>
             <a:custGeom>
@@ -5886,7 +5886,7 @@
           </p:nvSpPr>
           <p:spPr>
             <a:xfrm>
-              <a:off x="2002220" y="6927422"/>
+              <a:off x="2222349" y="6746796"/>
               <a:ext cx="0" cy="34794"/>
             </a:xfrm>
             <a:custGeom>
@@ -5926,7 +5926,7 @@
           </p:nvSpPr>
           <p:spPr>
             <a:xfrm>
-              <a:off x="3053087" y="6927422"/>
+              <a:off x="3244252" y="6746796"/>
               <a:ext cx="0" cy="34794"/>
             </a:xfrm>
             <a:custGeom>
@@ -5966,7 +5966,7 @@
           </p:nvSpPr>
           <p:spPr>
             <a:xfrm>
-              <a:off x="4103955" y="6927422"/>
+              <a:off x="4266155" y="6746796"/>
               <a:ext cx="0" cy="34794"/>
             </a:xfrm>
             <a:custGeom>
@@ -6006,7 +6006,7 @@
           </p:nvSpPr>
           <p:spPr>
             <a:xfrm>
-              <a:off x="5154822" y="6927422"/>
+              <a:off x="5288057" y="6746796"/>
               <a:ext cx="0" cy="34794"/>
             </a:xfrm>
             <a:custGeom>
@@ -6046,7 +6046,7 @@
           </p:nvSpPr>
           <p:spPr>
             <a:xfrm>
-              <a:off x="6205689" y="6927422"/>
+              <a:off x="6309960" y="6746796"/>
               <a:ext cx="0" cy="34794"/>
             </a:xfrm>
             <a:custGeom>
@@ -6086,7 +6086,7 @@
           </p:nvSpPr>
           <p:spPr>
             <a:xfrm>
-              <a:off x="7256556" y="6927422"/>
+              <a:off x="7331863" y="6746796"/>
               <a:ext cx="0" cy="34794"/>
             </a:xfrm>
             <a:custGeom>
@@ -6126,7 +6126,7 @@
           </p:nvSpPr>
           <p:spPr>
             <a:xfrm>
-              <a:off x="8307423" y="6927422"/>
+              <a:off x="8353766" y="6746796"/>
               <a:ext cx="0" cy="34794"/>
             </a:xfrm>
             <a:custGeom>
@@ -6166,7 +6166,7 @@
           </p:nvSpPr>
           <p:spPr>
             <a:xfrm>
-              <a:off x="9358290" y="6927422"/>
+              <a:off x="9375669" y="6746796"/>
               <a:ext cx="0" cy="34794"/>
             </a:xfrm>
             <a:custGeom>
@@ -6206,8 +6206,8 @@
           </p:nvSpPr>
           <p:spPr>
             <a:xfrm>
-              <a:off x="1785003" y="6984922"/>
-              <a:ext cx="434434" cy="79126"/>
+              <a:off x="1827409" y="6800100"/>
+              <a:ext cx="789880" cy="143867"/>
             </a:xfrm>
             <a:prstGeom prst="rect">
               <a:avLst/>
@@ -6220,7 +6220,7 @@
             <a:p>
               <a:pPr algn="l" marL="0" marR="0" indent="0">
                 <a:lnSpc>
-                  <a:spcPts val="880"/>
+                  <a:spcPts val="1600"/>
                 </a:lnSpc>
                 <a:spcBef>
                   <a:spcPts val="0"/>
@@ -6230,7 +6230,7 @@
                 </a:spcAft>
               </a:pPr>
               <a:r>
-                <a:rPr sz="880">
+                <a:rPr sz="1600">
                   <a:solidFill>
                     <a:srgbClr val="4D4D4D">
                       <a:alpha val="100000"/>
@@ -6252,8 +6252,8 @@
           </p:nvSpPr>
           <p:spPr>
             <a:xfrm>
-              <a:off x="2773715" y="6962330"/>
-              <a:ext cx="558745" cy="101719"/>
+              <a:off x="2736301" y="6759023"/>
+              <a:ext cx="1015900" cy="184943"/>
             </a:xfrm>
             <a:prstGeom prst="rect">
               <a:avLst/>
@@ -6266,7 +6266,7 @@
             <a:p>
               <a:pPr algn="l" marL="0" marR="0" indent="0">
                 <a:lnSpc>
-                  <a:spcPts val="880"/>
+                  <a:spcPts val="1600"/>
                 </a:lnSpc>
                 <a:spcBef>
                   <a:spcPts val="0"/>
@@ -6276,7 +6276,7 @@
                 </a:spcAft>
               </a:pPr>
               <a:r>
-                <a:rPr sz="880">
+                <a:rPr sz="1600">
                   <a:solidFill>
                     <a:srgbClr val="4D4D4D">
                       <a:alpha val="100000"/>
@@ -6298,8 +6298,8 @@
           </p:nvSpPr>
           <p:spPr>
             <a:xfrm>
-              <a:off x="3920844" y="6984922"/>
-              <a:ext cx="366221" cy="79126"/>
+              <a:off x="3933226" y="6800100"/>
+              <a:ext cx="665857" cy="143867"/>
             </a:xfrm>
             <a:prstGeom prst="rect">
               <a:avLst/>
@@ -6312,7 +6312,7 @@
             <a:p>
               <a:pPr algn="l" marL="0" marR="0" indent="0">
                 <a:lnSpc>
-                  <a:spcPts val="880"/>
+                  <a:spcPts val="1600"/>
                 </a:lnSpc>
                 <a:spcBef>
                   <a:spcPts val="0"/>
@@ -6322,7 +6322,7 @@
                 </a:spcAft>
               </a:pPr>
               <a:r>
-                <a:rPr sz="880">
+                <a:rPr sz="1600">
                   <a:solidFill>
                     <a:srgbClr val="4D4D4D">
                       <a:alpha val="100000"/>
@@ -6344,8 +6344,8 @@
           </p:nvSpPr>
           <p:spPr>
             <a:xfrm>
-              <a:off x="4863116" y="6984922"/>
-              <a:ext cx="583411" cy="79126"/>
+              <a:off x="4757684" y="6800100"/>
+              <a:ext cx="1060747" cy="143867"/>
             </a:xfrm>
             <a:prstGeom prst="rect">
               <a:avLst/>
@@ -6358,7 +6358,7 @@
             <a:p>
               <a:pPr algn="l" marL="0" marR="0" indent="0">
                 <a:lnSpc>
-                  <a:spcPts val="880"/>
+                  <a:spcPts val="1600"/>
                 </a:lnSpc>
                 <a:spcBef>
                   <a:spcPts val="0"/>
@@ -6368,7 +6368,7 @@
                 </a:spcAft>
               </a:pPr>
               <a:r>
-                <a:rPr sz="880">
+                <a:rPr sz="1600">
                   <a:solidFill>
                     <a:srgbClr val="4D4D4D">
                       <a:alpha val="100000"/>
@@ -6390,8 +6390,8 @@
           </p:nvSpPr>
           <p:spPr>
             <a:xfrm>
-              <a:off x="6016412" y="6985413"/>
-              <a:ext cx="378554" cy="78635"/>
+              <a:off x="5965820" y="6800993"/>
+              <a:ext cx="688280" cy="142974"/>
             </a:xfrm>
             <a:prstGeom prst="rect">
               <a:avLst/>
@@ -6404,7 +6404,7 @@
             <a:p>
               <a:pPr algn="l" marL="0" marR="0" indent="0">
                 <a:lnSpc>
-                  <a:spcPts val="880"/>
+                  <a:spcPts val="1600"/>
                 </a:lnSpc>
                 <a:spcBef>
                   <a:spcPts val="0"/>
@@ -6414,7 +6414,7 @@
                 </a:spcAft>
               </a:pPr>
               <a:r>
-                <a:rPr sz="880">
+                <a:rPr sz="1600">
                   <a:solidFill>
                     <a:srgbClr val="4D4D4D">
                       <a:alpha val="100000"/>
@@ -6436,8 +6436,8 @@
           </p:nvSpPr>
           <p:spPr>
             <a:xfrm>
-              <a:off x="6983377" y="6962330"/>
-              <a:ext cx="546357" cy="101719"/>
+              <a:off x="6835174" y="6759023"/>
+              <a:ext cx="993378" cy="184943"/>
             </a:xfrm>
             <a:prstGeom prst="rect">
               <a:avLst/>
@@ -6450,7 +6450,7 @@
             <a:p>
               <a:pPr algn="l" marL="0" marR="0" indent="0">
                 <a:lnSpc>
-                  <a:spcPts val="880"/>
+                  <a:spcPts val="1600"/>
                 </a:lnSpc>
                 <a:spcBef>
                   <a:spcPts val="0"/>
@@ -6460,7 +6460,7 @@
                 </a:spcAft>
               </a:pPr>
               <a:r>
-                <a:rPr sz="880">
+                <a:rPr sz="1600">
                   <a:solidFill>
                     <a:srgbClr val="4D4D4D">
                       <a:alpha val="100000"/>
@@ -6482,8 +6482,8 @@
           </p:nvSpPr>
           <p:spPr>
             <a:xfrm>
-              <a:off x="7987723" y="6962548"/>
-              <a:ext cx="639400" cy="101500"/>
+              <a:off x="7772493" y="6759420"/>
+              <a:ext cx="1162546" cy="184546"/>
             </a:xfrm>
             <a:prstGeom prst="rect">
               <a:avLst/>
@@ -6496,7 +6496,7 @@
             <a:p>
               <a:pPr algn="l" marL="0" marR="0" indent="0">
                 <a:lnSpc>
-                  <a:spcPts val="880"/>
+                  <a:spcPts val="1600"/>
                 </a:lnSpc>
                 <a:spcBef>
                   <a:spcPts val="0"/>
@@ -6506,7 +6506,7 @@
                 </a:spcAft>
               </a:pPr>
               <a:r>
-                <a:rPr sz="880">
+                <a:rPr sz="1600">
                   <a:solidFill>
                     <a:srgbClr val="4D4D4D">
                       <a:alpha val="100000"/>
@@ -6528,8 +6528,8 @@
           </p:nvSpPr>
           <p:spPr>
             <a:xfrm>
-              <a:off x="9072724" y="6962330"/>
-              <a:ext cx="571132" cy="101719"/>
+              <a:off x="8856457" y="6759023"/>
+              <a:ext cx="1038423" cy="184943"/>
             </a:xfrm>
             <a:prstGeom prst="rect">
               <a:avLst/>
@@ -6542,7 +6542,7 @@
             <a:p>
               <a:pPr algn="l" marL="0" marR="0" indent="0">
                 <a:lnSpc>
-                  <a:spcPts val="880"/>
+                  <a:spcPts val="1600"/>
                 </a:lnSpc>
                 <a:spcBef>
                   <a:spcPts val="0"/>
@@ -6552,7 +6552,7 @@
                 </a:spcAft>
               </a:pPr>
               <a:r>
-                <a:rPr sz="880">
+                <a:rPr sz="1600">
                   <a:solidFill>
                     <a:srgbClr val="4D4D4D">
                       <a:alpha val="100000"/>
@@ -6574,8 +6574,8 @@
           </p:nvSpPr>
           <p:spPr>
             <a:xfrm>
-              <a:off x="5517329" y="7116347"/>
-              <a:ext cx="325852" cy="99113"/>
+              <a:off x="5502779" y="7010586"/>
+              <a:ext cx="592459" cy="180206"/>
             </a:xfrm>
             <a:prstGeom prst="rect">
               <a:avLst/>
@@ -6588,7 +6588,7 @@
             <a:p>
               <a:pPr algn="l" marL="0" marR="0" indent="0">
                 <a:lnSpc>
-                  <a:spcPts val="1100"/>
+                  <a:spcPts val="2000"/>
                 </a:lnSpc>
                 <a:spcBef>
                   <a:spcPts val="0"/>
@@ -6598,7 +6598,7 @@
                 </a:spcAft>
               </a:pPr>
               <a:r>
-                <a:rPr sz="1100">
+                <a:rPr sz="2000">
                   <a:solidFill>
                     <a:srgbClr val="000000">
                       <a:alpha val="100000"/>
@@ -6620,8 +6620,8 @@
           </p:nvSpPr>
           <p:spPr>
             <a:xfrm rot="-5400000">
-              <a:off x="448824" y="4110649"/>
-              <a:ext cx="1156208" cy="99113"/>
+              <a:off x="10963" y="4090172"/>
+              <a:ext cx="2102197" cy="180206"/>
             </a:xfrm>
             <a:prstGeom prst="rect">
               <a:avLst/>
@@ -6634,7 +6634,7 @@
             <a:p>
               <a:pPr algn="l" marL="0" marR="0" indent="0">
                 <a:lnSpc>
-                  <a:spcPts val="1100"/>
+                  <a:spcPts val="2000"/>
                 </a:lnSpc>
                 <a:spcBef>
                   <a:spcPts val="0"/>
@@ -6644,7 +6644,7 @@
                 </a:spcAft>
               </a:pPr>
               <a:r>
-                <a:rPr sz="1100">
+                <a:rPr sz="2000">
                   <a:solidFill>
                     <a:srgbClr val="000000">
                       <a:alpha val="100000"/>
@@ -6666,8 +6666,8 @@
           </p:nvSpPr>
           <p:spPr>
             <a:xfrm>
-              <a:off x="1371700" y="1166102"/>
-              <a:ext cx="1171692" cy="127148"/>
+              <a:off x="1609207" y="1258167"/>
+              <a:ext cx="2130350" cy="231179"/>
             </a:xfrm>
             <a:prstGeom prst="rect">
               <a:avLst/>
@@ -6680,7 +6680,7 @@
             <a:p>
               <a:pPr algn="l" marL="0" marR="0" indent="0">
                 <a:lnSpc>
-                  <a:spcPts val="1100"/>
+                  <a:spcPts val="2000"/>
                 </a:lnSpc>
                 <a:spcBef>
                   <a:spcPts val="0"/>
@@ -6690,7 +6690,7 @@
                 </a:spcAft>
               </a:pPr>
               <a:r>
-                <a:rPr sz="1100">
+                <a:rPr sz="2000">
                   <a:solidFill>
                     <a:srgbClr val="000000">
                       <a:alpha val="100000"/>
@@ -6712,8 +6712,8 @@
           </p:nvSpPr>
           <p:spPr>
             <a:xfrm>
-              <a:off x="1371700" y="976049"/>
-              <a:ext cx="1387450" cy="118935"/>
+              <a:off x="1609207" y="969552"/>
+              <a:ext cx="2522636" cy="216247"/>
             </a:xfrm>
             <a:prstGeom prst="rect">
               <a:avLst/>
@@ -6726,7 +6726,7 @@
             <a:p>
               <a:pPr algn="l" marL="0" marR="0" indent="0">
                 <a:lnSpc>
-                  <a:spcPts val="1320"/>
+                  <a:spcPts val="2400"/>
                 </a:lnSpc>
                 <a:spcBef>
                   <a:spcPts val="0"/>
@@ -6736,7 +6736,7 @@
                 </a:spcAft>
               </a:pPr>
               <a:r>
-                <a:rPr sz="1320">
+                <a:rPr sz="2400">
                   <a:solidFill>
                     <a:srgbClr val="000000">
                       <a:alpha val="100000"/>
